--- a/Реферат Сети и телекоммуникации/Презентация реферат.pptx
+++ b/Реферат Сети и телекоммуникации/Презентация реферат.pptx
@@ -1,28 +1,124 @@
 
 <file path=ppt/presentation.xml><?xml version="1.0" encoding="utf-8"?>
-<p:presentation xmlns:a="http://schemas.openxmlformats.org/drawingml/2006/main" xmlns:p="http://schemas.openxmlformats.org/presentationml/2006/main" xmlns:r="http://schemas.openxmlformats.org/officeDocument/2006/relationships" xmlns:p14="http://schemas.microsoft.com/office/powerpoint/2010/main" xmlns:p15="http://schemas.microsoft.com/office/powerpoint/2012/main" xmlns:mc="http://schemas.openxmlformats.org/markup-compatibility/2006">
+<p:presentation xmlns:a="http://schemas.openxmlformats.org/drawingml/2006/main" xmlns:r="http://schemas.openxmlformats.org/officeDocument/2006/relationships" xmlns:p="http://schemas.openxmlformats.org/presentationml/2006/main">
   <p:sldMasterIdLst>
-    <p:sldMasterId id="2147483648" r:id="rId2"/>
+    <p:sldMasterId id="2147483648" r:id="rId1"/>
   </p:sldMasterIdLst>
   <p:sldIdLst>
-    <p:sldId id="256" r:id="rId3"/>
-    <p:sldId id="257" r:id="rId4"/>
-    <p:sldId id="258" r:id="rId5"/>
-    <p:sldId id="259" r:id="rId6"/>
-    <p:sldId id="260" r:id="rId7"/>
-    <p:sldId id="261" r:id="rId8"/>
-    <p:sldId id="262" r:id="rId9"/>
+    <p:sldId id="256" r:id="rId2"/>
+    <p:sldId id="257" r:id="rId3"/>
+    <p:sldId id="258" r:id="rId4"/>
+    <p:sldId id="259" r:id="rId5"/>
+    <p:sldId id="260" r:id="rId6"/>
+    <p:sldId id="261" r:id="rId7"/>
+    <p:sldId id="262" r:id="rId8"/>
+    <p:sldId id="266" r:id="rId9"/>
     <p:sldId id="263" r:id="rId10"/>
     <p:sldId id="264" r:id="rId11"/>
     <p:sldId id="265" r:id="rId12"/>
   </p:sldIdLst>
   <p:sldSz cx="10080625" cy="5670550"/>
   <p:notesSz cx="7559675" cy="10691813"/>
+  <p:defaultTextStyle>
+    <a:defPPr>
+      <a:defRPr lang="ru-RU"/>
+    </a:defPPr>
+    <a:lvl1pPr marL="0" algn="l" defTabSz="914400" rtl="0" eaLnBrk="1" latinLnBrk="0" hangingPunct="1">
+      <a:defRPr sz="1800" kern="1200">
+        <a:solidFill>
+          <a:schemeClr val="tx1"/>
+        </a:solidFill>
+        <a:latin typeface="+mn-lt"/>
+        <a:ea typeface="+mn-ea"/>
+        <a:cs typeface="+mn-cs"/>
+      </a:defRPr>
+    </a:lvl1pPr>
+    <a:lvl2pPr marL="457200" algn="l" defTabSz="914400" rtl="0" eaLnBrk="1" latinLnBrk="0" hangingPunct="1">
+      <a:defRPr sz="1800" kern="1200">
+        <a:solidFill>
+          <a:schemeClr val="tx1"/>
+        </a:solidFill>
+        <a:latin typeface="+mn-lt"/>
+        <a:ea typeface="+mn-ea"/>
+        <a:cs typeface="+mn-cs"/>
+      </a:defRPr>
+    </a:lvl2pPr>
+    <a:lvl3pPr marL="914400" algn="l" defTabSz="914400" rtl="0" eaLnBrk="1" latinLnBrk="0" hangingPunct="1">
+      <a:defRPr sz="1800" kern="1200">
+        <a:solidFill>
+          <a:schemeClr val="tx1"/>
+        </a:solidFill>
+        <a:latin typeface="+mn-lt"/>
+        <a:ea typeface="+mn-ea"/>
+        <a:cs typeface="+mn-cs"/>
+      </a:defRPr>
+    </a:lvl3pPr>
+    <a:lvl4pPr marL="1371600" algn="l" defTabSz="914400" rtl="0" eaLnBrk="1" latinLnBrk="0" hangingPunct="1">
+      <a:defRPr sz="1800" kern="1200">
+        <a:solidFill>
+          <a:schemeClr val="tx1"/>
+        </a:solidFill>
+        <a:latin typeface="+mn-lt"/>
+        <a:ea typeface="+mn-ea"/>
+        <a:cs typeface="+mn-cs"/>
+      </a:defRPr>
+    </a:lvl4pPr>
+    <a:lvl5pPr marL="1828800" algn="l" defTabSz="914400" rtl="0" eaLnBrk="1" latinLnBrk="0" hangingPunct="1">
+      <a:defRPr sz="1800" kern="1200">
+        <a:solidFill>
+          <a:schemeClr val="tx1"/>
+        </a:solidFill>
+        <a:latin typeface="+mn-lt"/>
+        <a:ea typeface="+mn-ea"/>
+        <a:cs typeface="+mn-cs"/>
+      </a:defRPr>
+    </a:lvl5pPr>
+    <a:lvl6pPr marL="2286000" algn="l" defTabSz="914400" rtl="0" eaLnBrk="1" latinLnBrk="0" hangingPunct="1">
+      <a:defRPr sz="1800" kern="1200">
+        <a:solidFill>
+          <a:schemeClr val="tx1"/>
+        </a:solidFill>
+        <a:latin typeface="+mn-lt"/>
+        <a:ea typeface="+mn-ea"/>
+        <a:cs typeface="+mn-cs"/>
+      </a:defRPr>
+    </a:lvl6pPr>
+    <a:lvl7pPr marL="2743200" algn="l" defTabSz="914400" rtl="0" eaLnBrk="1" latinLnBrk="0" hangingPunct="1">
+      <a:defRPr sz="1800" kern="1200">
+        <a:solidFill>
+          <a:schemeClr val="tx1"/>
+        </a:solidFill>
+        <a:latin typeface="+mn-lt"/>
+        <a:ea typeface="+mn-ea"/>
+        <a:cs typeface="+mn-cs"/>
+      </a:defRPr>
+    </a:lvl7pPr>
+    <a:lvl8pPr marL="3200400" algn="l" defTabSz="914400" rtl="0" eaLnBrk="1" latinLnBrk="0" hangingPunct="1">
+      <a:defRPr sz="1800" kern="1200">
+        <a:solidFill>
+          <a:schemeClr val="tx1"/>
+        </a:solidFill>
+        <a:latin typeface="+mn-lt"/>
+        <a:ea typeface="+mn-ea"/>
+        <a:cs typeface="+mn-cs"/>
+      </a:defRPr>
+    </a:lvl8pPr>
+    <a:lvl9pPr marL="3657600" algn="l" defTabSz="914400" rtl="0" eaLnBrk="1" latinLnBrk="0" hangingPunct="1">
+      <a:defRPr sz="1800" kern="1200">
+        <a:solidFill>
+          <a:schemeClr val="tx1"/>
+        </a:solidFill>
+        <a:latin typeface="+mn-lt"/>
+        <a:ea typeface="+mn-ea"/>
+        <a:cs typeface="+mn-cs"/>
+      </a:defRPr>
+    </a:lvl9pPr>
+  </p:defaultTextStyle>
 </p:presentation>
 </file>
 
 <file path=ppt/slideLayouts/slideLayout1.xml><?xml version="1.0" encoding="utf-8"?>
-<p:sldLayout xmlns:a="http://schemas.openxmlformats.org/drawingml/2006/main" xmlns:p="http://schemas.openxmlformats.org/presentationml/2006/main" xmlns:r="http://schemas.openxmlformats.org/officeDocument/2006/relationships" xmlns:p14="http://schemas.microsoft.com/office/powerpoint/2010/main" xmlns:p15="http://schemas.microsoft.com/office/powerpoint/2012/main" xmlns:mc="http://schemas.openxmlformats.org/markup-compatibility/2006" type="title" preserve="1">
+<p:sldLayout xmlns:a="http://schemas.openxmlformats.org/drawingml/2006/main" xmlns:r="http://schemas.openxmlformats.org/officeDocument/2006/relationships" xmlns:p="http://schemas.openxmlformats.org/presentationml/2006/main" type="title" preserve="1">
   <p:cSld name="Обычный">
     <p:spTree>
       <p:nvGrpSpPr>
@@ -62,14 +158,15 @@
           </a:ln>
         </p:spPr>
         <p:txBody>
-          <a:bodyPr lIns="0" rIns="0" tIns="0" bIns="0" anchor="ctr">
+          <a:bodyPr lIns="0" tIns="0" rIns="0" bIns="0" anchor="ctr">
             <a:noAutofit/>
           </a:bodyPr>
+          <a:lstStyle/>
           <a:p>
             <a:pPr indent="0" algn="ctr">
               <a:buNone/>
             </a:pPr>
-            <a:endParaRPr b="0" lang="ru-RU" sz="4400" spc="-1" strike="noStrike">
+            <a:endParaRPr lang="ru-RU" sz="4400" b="0" strike="noStrike" spc="-1">
               <a:solidFill>
                 <a:srgbClr val="000000"/>
               </a:solidFill>
@@ -102,14 +199,15 @@
           </a:ln>
         </p:spPr>
         <p:txBody>
-          <a:bodyPr lIns="0" rIns="0" tIns="0" bIns="0" anchor="ctr">
+          <a:bodyPr lIns="0" tIns="0" rIns="0" bIns="0" anchor="ctr">
             <a:noAutofit/>
           </a:bodyPr>
+          <a:lstStyle/>
           <a:p>
             <a:pPr indent="0" algn="ctr">
               <a:buNone/>
             </a:pPr>
-            <a:endParaRPr b="0" lang="ru-RU" sz="3200" spc="-1" strike="noStrike">
+            <a:endParaRPr lang="ru-RU" sz="3200" b="0" strike="noStrike" spc="-1">
               <a:solidFill>
                 <a:srgbClr val="000000"/>
               </a:solidFill>
@@ -131,6 +229,7 @@
         <p:spPr/>
         <p:txBody>
           <a:bodyPr/>
+          <a:lstStyle/>
           <a:p>
             <a:r>
               <a:t>Footer</a:t>
@@ -140,7 +239,7 @@
       </p:sp>
       <p:sp>
         <p:nvSpPr>
-          <p:cNvPr id="5" name="PlaceHolder 4"/>
+          <p:cNvPr id="2" name="PlaceHolder 4"/>
           <p:cNvSpPr>
             <a:spLocks noGrp="1"/>
           </p:cNvSpPr>
@@ -151,16 +250,18 @@
         <p:spPr/>
         <p:txBody>
           <a:bodyPr/>
+          <a:lstStyle/>
           <a:p>
             <a:fld id="{8C3462D5-841B-4B49-92DA-B4C75FC70F16}" type="slidenum">
-              <a:t>&lt;#&gt;</a:t>
+              <a:t>‹#›</a:t>
             </a:fld>
+            <a:endParaRPr/>
           </a:p>
         </p:txBody>
       </p:sp>
       <p:sp>
         <p:nvSpPr>
-          <p:cNvPr id="6" name="PlaceHolder 5"/>
+          <p:cNvPr id="3" name="PlaceHolder 5"/>
           <p:cNvSpPr>
             <a:spLocks noGrp="1"/>
           </p:cNvSpPr>
@@ -171,21 +272,22 @@
         <p:spPr/>
         <p:txBody>
           <a:bodyPr/>
-          <a:p>
-            <a:r>
-              <a:rPr lang="ru-RU"/>
-              <a:t/>
-            </a:r>
+          <a:lstStyle/>
+          <a:p>
+            <a:endParaRPr/>
           </a:p>
         </p:txBody>
       </p:sp>
     </p:spTree>
   </p:cSld>
+  <p:clrMapOvr>
+    <a:masterClrMapping/>
+  </p:clrMapOvr>
 </p:sldLayout>
 </file>
 
 <file path=ppt/slideLayouts/slideLayout2.xml><?xml version="1.0" encoding="utf-8"?>
-<p:sldLayout xmlns:a="http://schemas.openxmlformats.org/drawingml/2006/main" xmlns:p="http://schemas.openxmlformats.org/presentationml/2006/main" xmlns:r="http://schemas.openxmlformats.org/officeDocument/2006/relationships" xmlns:p14="http://schemas.microsoft.com/office/powerpoint/2010/main" xmlns:p15="http://schemas.microsoft.com/office/powerpoint/2012/main" xmlns:mc="http://schemas.openxmlformats.org/markup-compatibility/2006" type="tx" preserve="1">
+<p:sldLayout xmlns:a="http://schemas.openxmlformats.org/drawingml/2006/main" xmlns:r="http://schemas.openxmlformats.org/officeDocument/2006/relationships" xmlns:p="http://schemas.openxmlformats.org/presentationml/2006/main" type="tx" preserve="1">
   <p:cSld name="Обычный">
     <p:spTree>
       <p:nvGrpSpPr>
@@ -225,14 +327,15 @@
           </a:ln>
         </p:spPr>
         <p:txBody>
-          <a:bodyPr lIns="0" rIns="0" tIns="0" bIns="0" anchor="ctr">
+          <a:bodyPr lIns="0" tIns="0" rIns="0" bIns="0" anchor="ctr">
             <a:noAutofit/>
           </a:bodyPr>
+          <a:lstStyle/>
           <a:p>
             <a:pPr indent="0" algn="ctr">
               <a:buNone/>
             </a:pPr>
-            <a:endParaRPr b="0" lang="ru-RU" sz="4400" spc="-1" strike="noStrike">
+            <a:endParaRPr lang="ru-RU" sz="4400" b="0" strike="noStrike" spc="-1">
               <a:solidFill>
                 <a:srgbClr val="000000"/>
               </a:solidFill>
@@ -265,9 +368,10 @@
           </a:ln>
         </p:spPr>
         <p:txBody>
-          <a:bodyPr lIns="0" rIns="0" tIns="0" bIns="0" anchor="t">
+          <a:bodyPr lIns="0" tIns="0" rIns="0" bIns="0" anchor="t">
             <a:normAutofit/>
           </a:bodyPr>
+          <a:lstStyle/>
           <a:p>
             <a:pPr indent="0">
               <a:spcBef>
@@ -275,7 +379,7 @@
               </a:spcBef>
               <a:buNone/>
             </a:pPr>
-            <a:endParaRPr b="0" lang="ru-RU" sz="3200" spc="-1" strike="noStrike">
+            <a:endParaRPr lang="ru-RU" sz="3200" b="0" strike="noStrike" spc="-1">
               <a:solidFill>
                 <a:srgbClr val="000000"/>
               </a:solidFill>
@@ -297,6 +401,7 @@
         <p:spPr/>
         <p:txBody>
           <a:bodyPr/>
+          <a:lstStyle/>
           <a:p>
             <a:r>
               <a:t>Footer</a:t>
@@ -317,10 +422,12 @@
         <p:spPr/>
         <p:txBody>
           <a:bodyPr/>
+          <a:lstStyle/>
           <a:p>
             <a:fld id="{53A4E1A3-A070-4E9E-86DB-2CD0AECFCAC5}" type="slidenum">
-              <a:t>&lt;#&gt;</a:t>
+              <a:t>‹#›</a:t>
             </a:fld>
+            <a:endParaRPr/>
           </a:p>
         </p:txBody>
       </p:sp>
@@ -337,22 +444,28 @@
         <p:spPr/>
         <p:txBody>
           <a:bodyPr/>
-          <a:p>
-            <a:r>
-              <a:rPr lang="ru-RU"/>
-              <a:t/>
-            </a:r>
+          <a:lstStyle/>
+          <a:p>
+            <a:endParaRPr/>
           </a:p>
         </p:txBody>
       </p:sp>
     </p:spTree>
   </p:cSld>
+  <p:clrMapOvr>
+    <a:masterClrMapping/>
+  </p:clrMapOvr>
 </p:sldLayout>
 </file>
 
 <file path=ppt/slideMasters/slideMaster1.xml><?xml version="1.0" encoding="utf-8"?>
-<p:sldMaster xmlns:a="http://schemas.openxmlformats.org/drawingml/2006/main" xmlns:p="http://schemas.openxmlformats.org/presentationml/2006/main" xmlns:r="http://schemas.openxmlformats.org/officeDocument/2006/relationships" xmlns:p14="http://schemas.microsoft.com/office/powerpoint/2010/main" xmlns:p15="http://schemas.microsoft.com/office/powerpoint/2012/main" xmlns:mc="http://schemas.openxmlformats.org/markup-compatibility/2006">
+<p:sldMaster xmlns:a="http://schemas.openxmlformats.org/drawingml/2006/main" xmlns:r="http://schemas.openxmlformats.org/officeDocument/2006/relationships" xmlns:p="http://schemas.openxmlformats.org/presentationml/2006/main">
   <p:cSld>
+    <p:bg>
+      <p:bgRef idx="1001">
+        <a:schemeClr val="bg1"/>
+      </p:bgRef>
+    </p:bg>
     <p:spTree>
       <p:nvGrpSpPr>
         <p:cNvPr id="1" name=""/>
@@ -369,7 +482,7 @@
       </p:grpSpPr>
       <p:sp>
         <p:nvSpPr>
-          <p:cNvPr id="0" name="PlaceHolder 1"/>
+          <p:cNvPr id="5" name="PlaceHolder 1"/>
           <p:cNvSpPr>
             <a:spLocks noGrp="1"/>
           </p:cNvSpPr>
@@ -391,15 +504,16 @@
           </a:ln>
         </p:spPr>
         <p:txBody>
-          <a:bodyPr lIns="0" rIns="0" tIns="0" bIns="0" anchor="ctr">
+          <a:bodyPr lIns="0" tIns="0" rIns="0" bIns="0" anchor="ctr">
             <a:noAutofit/>
           </a:bodyPr>
+          <a:lstStyle/>
           <a:p>
             <a:pPr indent="0" algn="ctr">
               <a:buNone/>
             </a:pPr>
             <a:r>
-              <a:rPr b="0" lang="ru-RU" sz="4400" spc="-1" strike="noStrike">
+              <a:rPr lang="ru-RU" sz="4400" b="0" strike="noStrike" spc="-1">
                 <a:solidFill>
                   <a:srgbClr val="000000"/>
                 </a:solidFill>
@@ -407,18 +521,12 @@
               </a:rPr>
               <a:t>Для правки текста заглавия щёлкните мышью</a:t>
             </a:r>
-            <a:endParaRPr b="0" lang="ru-RU" sz="4400" spc="-1" strike="noStrike">
-              <a:solidFill>
-                <a:srgbClr val="000000"/>
-              </a:solidFill>
-              <a:latin typeface="Arial"/>
-            </a:endParaRPr>
           </a:p>
         </p:txBody>
       </p:sp>
       <p:sp>
         <p:nvSpPr>
-          <p:cNvPr id="1" name="PlaceHolder 2"/>
+          <p:cNvPr id="6" name="PlaceHolder 2"/>
           <p:cNvSpPr>
             <a:spLocks noGrp="1"/>
           </p:cNvSpPr>
@@ -440,9 +548,10 @@
           </a:ln>
         </p:spPr>
         <p:txBody>
-          <a:bodyPr lIns="0" rIns="0" tIns="0" bIns="0" anchor="t">
+          <a:bodyPr lIns="0" tIns="0" rIns="0" bIns="0" anchor="t">
             <a:normAutofit/>
           </a:bodyPr>
+          <a:lstStyle/>
           <a:p>
             <a:pPr marL="432000" indent="-324000">
               <a:spcBef>
@@ -456,7 +565,7 @@
               <a:buChar char=""/>
             </a:pPr>
             <a:r>
-              <a:rPr b="0" lang="ru-RU" sz="3200" spc="-1" strike="noStrike">
+              <a:rPr lang="ru-RU" sz="3200" b="0" strike="noStrike" spc="-1">
                 <a:solidFill>
                   <a:srgbClr val="000000"/>
                 </a:solidFill>
@@ -464,15 +573,9 @@
               </a:rPr>
               <a:t>Для правки структуры щёлкните мышью</a:t>
             </a:r>
-            <a:endParaRPr b="0" lang="ru-RU" sz="3200" spc="-1" strike="noStrike">
-              <a:solidFill>
-                <a:srgbClr val="000000"/>
-              </a:solidFill>
-              <a:latin typeface="Arial"/>
-            </a:endParaRPr>
-          </a:p>
-          <a:p>
-            <a:pPr lvl="1" marL="864000" indent="-324000">
+          </a:p>
+          <a:p>
+            <a:pPr marL="864000" lvl="1" indent="-324000">
               <a:spcBef>
                 <a:spcPts val="1134"/>
               </a:spcBef>
@@ -484,7 +587,7 @@
               <a:buChar char=""/>
             </a:pPr>
             <a:r>
-              <a:rPr b="0" lang="ru-RU" sz="2800" spc="-1" strike="noStrike">
+              <a:rPr lang="ru-RU" sz="2800" b="0" strike="noStrike" spc="-1">
                 <a:solidFill>
                   <a:srgbClr val="000000"/>
                 </a:solidFill>
@@ -492,15 +595,9 @@
               </a:rPr>
               <a:t>Второй уровень структуры</a:t>
             </a:r>
-            <a:endParaRPr b="0" lang="ru-RU" sz="2800" spc="-1" strike="noStrike">
-              <a:solidFill>
-                <a:srgbClr val="000000"/>
-              </a:solidFill>
-              <a:latin typeface="Arial"/>
-            </a:endParaRPr>
-          </a:p>
-          <a:p>
-            <a:pPr lvl="2" marL="1296000" indent="-288000">
+          </a:p>
+          <a:p>
+            <a:pPr marL="1296000" lvl="2" indent="-288000">
               <a:spcBef>
                 <a:spcPts val="850"/>
               </a:spcBef>
@@ -512,7 +609,7 @@
               <a:buChar char=""/>
             </a:pPr>
             <a:r>
-              <a:rPr b="0" lang="ru-RU" sz="2400" spc="-1" strike="noStrike">
+              <a:rPr lang="ru-RU" sz="2400" b="0" strike="noStrike" spc="-1">
                 <a:solidFill>
                   <a:srgbClr val="000000"/>
                 </a:solidFill>
@@ -520,15 +617,9 @@
               </a:rPr>
               <a:t>Третий уровень структуры</a:t>
             </a:r>
-            <a:endParaRPr b="0" lang="ru-RU" sz="2400" spc="-1" strike="noStrike">
-              <a:solidFill>
-                <a:srgbClr val="000000"/>
-              </a:solidFill>
-              <a:latin typeface="Arial"/>
-            </a:endParaRPr>
-          </a:p>
-          <a:p>
-            <a:pPr lvl="3" marL="1728000" indent="-216000">
+          </a:p>
+          <a:p>
+            <a:pPr marL="1728000" lvl="3" indent="-216000">
               <a:spcBef>
                 <a:spcPts val="567"/>
               </a:spcBef>
@@ -540,7 +631,7 @@
               <a:buChar char=""/>
             </a:pPr>
             <a:r>
-              <a:rPr b="0" lang="ru-RU" sz="2000" spc="-1" strike="noStrike">
+              <a:rPr lang="ru-RU" sz="2000" b="0" strike="noStrike" spc="-1">
                 <a:solidFill>
                   <a:srgbClr val="000000"/>
                 </a:solidFill>
@@ -548,15 +639,9 @@
               </a:rPr>
               <a:t>Четвёртый уровень структуры</a:t>
             </a:r>
-            <a:endParaRPr b="0" lang="ru-RU" sz="2000" spc="-1" strike="noStrike">
-              <a:solidFill>
-                <a:srgbClr val="000000"/>
-              </a:solidFill>
-              <a:latin typeface="Arial"/>
-            </a:endParaRPr>
-          </a:p>
-          <a:p>
-            <a:pPr lvl="4" marL="2160000" indent="-216000">
+          </a:p>
+          <a:p>
+            <a:pPr marL="2160000" lvl="4" indent="-216000">
               <a:spcBef>
                 <a:spcPts val="283"/>
               </a:spcBef>
@@ -568,7 +653,7 @@
               <a:buChar char=""/>
             </a:pPr>
             <a:r>
-              <a:rPr b="0" lang="ru-RU" sz="2000" spc="-1" strike="noStrike">
+              <a:rPr lang="ru-RU" sz="2000" b="0" strike="noStrike" spc="-1">
                 <a:solidFill>
                   <a:srgbClr val="000000"/>
                 </a:solidFill>
@@ -576,15 +661,9 @@
               </a:rPr>
               <a:t>Пятый уровень структуры</a:t>
             </a:r>
-            <a:endParaRPr b="0" lang="ru-RU" sz="2000" spc="-1" strike="noStrike">
-              <a:solidFill>
-                <a:srgbClr val="000000"/>
-              </a:solidFill>
-              <a:latin typeface="Arial"/>
-            </a:endParaRPr>
-          </a:p>
-          <a:p>
-            <a:pPr lvl="5" marL="2592000" indent="-216000">
+          </a:p>
+          <a:p>
+            <a:pPr marL="2592000" lvl="5" indent="-216000">
               <a:spcBef>
                 <a:spcPts val="283"/>
               </a:spcBef>
@@ -596,7 +675,7 @@
               <a:buChar char=""/>
             </a:pPr>
             <a:r>
-              <a:rPr b="0" lang="ru-RU" sz="2000" spc="-1" strike="noStrike">
+              <a:rPr lang="ru-RU" sz="2000" b="0" strike="noStrike" spc="-1">
                 <a:solidFill>
                   <a:srgbClr val="000000"/>
                 </a:solidFill>
@@ -604,15 +683,9 @@
               </a:rPr>
               <a:t>Шестой уровень структуры</a:t>
             </a:r>
-            <a:endParaRPr b="0" lang="ru-RU" sz="2000" spc="-1" strike="noStrike">
-              <a:solidFill>
-                <a:srgbClr val="000000"/>
-              </a:solidFill>
-              <a:latin typeface="Arial"/>
-            </a:endParaRPr>
-          </a:p>
-          <a:p>
-            <a:pPr lvl="6" marL="3024000" indent="-216000">
+          </a:p>
+          <a:p>
+            <a:pPr marL="3024000" lvl="6" indent="-216000">
               <a:spcBef>
                 <a:spcPts val="283"/>
               </a:spcBef>
@@ -624,7 +697,7 @@
               <a:buChar char=""/>
             </a:pPr>
             <a:r>
-              <a:rPr b="0" lang="ru-RU" sz="2000" spc="-1" strike="noStrike">
+              <a:rPr lang="ru-RU" sz="2000" b="0" strike="noStrike" spc="-1">
                 <a:solidFill>
                   <a:srgbClr val="000000"/>
                 </a:solidFill>
@@ -632,12 +705,6 @@
               </a:rPr>
               <a:t>Седьмой уровень структуры</a:t>
             </a:r>
-            <a:endParaRPr b="0" lang="ru-RU" sz="2000" spc="-1" strike="noStrike">
-              <a:solidFill>
-                <a:srgbClr val="000000"/>
-              </a:solidFill>
-              <a:latin typeface="Arial"/>
-            </a:endParaRPr>
           </a:p>
         </p:txBody>
       </p:sp>
@@ -665,13 +732,13 @@
           </a:ln>
         </p:spPr>
         <p:txBody>
-          <a:bodyPr lIns="0" rIns="0" tIns="0" bIns="0" anchor="t">
+          <a:bodyPr lIns="0" tIns="0" rIns="0" bIns="0" anchor="t">
             <a:noAutofit/>
           </a:bodyPr>
           <a:lstStyle>
             <a:lvl1pPr indent="0">
               <a:buNone/>
-              <a:defRPr b="0" lang="ru-RU" sz="1400" spc="-1" strike="noStrike">
+              <a:defRPr lang="ru-RU" sz="1400" b="0" strike="noStrike" spc="-1">
                 <a:solidFill>
                   <a:srgbClr val="000000"/>
                 </a:solidFill>
@@ -684,7 +751,7 @@
               <a:buNone/>
             </a:pPr>
             <a:r>
-              <a:rPr b="0" lang="ru-RU" sz="1400" spc="-1" strike="noStrike">
+              <a:rPr lang="ru-RU" sz="1400" b="0" strike="noStrike" spc="-1">
                 <a:solidFill>
                   <a:srgbClr val="000000"/>
                 </a:solidFill>
@@ -692,12 +759,6 @@
               </a:rPr>
               <a:t>&lt;дата/время&gt;</a:t>
             </a:r>
-            <a:endParaRPr b="0" lang="ru-RU" sz="1400" spc="-1" strike="noStrike">
-              <a:solidFill>
-                <a:srgbClr val="000000"/>
-              </a:solidFill>
-              <a:latin typeface="Times New Roman"/>
-            </a:endParaRPr>
           </a:p>
         </p:txBody>
       </p:sp>
@@ -725,13 +786,13 @@
           </a:ln>
         </p:spPr>
         <p:txBody>
-          <a:bodyPr lIns="0" rIns="0" tIns="0" bIns="0" anchor="t">
+          <a:bodyPr lIns="0" tIns="0" rIns="0" bIns="0" anchor="t">
             <a:noAutofit/>
           </a:bodyPr>
           <a:lstStyle>
             <a:lvl1pPr indent="0" algn="ctr">
               <a:buNone/>
-              <a:defRPr b="0" lang="ru-RU" sz="1400" spc="-1" strike="noStrike">
+              <a:defRPr lang="ru-RU" sz="1400" b="0" strike="noStrike" spc="-1">
                 <a:solidFill>
                   <a:srgbClr val="000000"/>
                 </a:solidFill>
@@ -744,7 +805,7 @@
               <a:buNone/>
             </a:pPr>
             <a:r>
-              <a:rPr b="0" lang="ru-RU" sz="1400" spc="-1" strike="noStrike">
+              <a:rPr lang="ru-RU" sz="1400" b="0" strike="noStrike" spc="-1">
                 <a:solidFill>
                   <a:srgbClr val="000000"/>
                 </a:solidFill>
@@ -752,12 +813,6 @@
               </a:rPr>
               <a:t>&lt;нижний колонтитул&gt;</a:t>
             </a:r>
-            <a:endParaRPr b="0" lang="ru-RU" sz="1400" spc="-1" strike="noStrike">
-              <a:solidFill>
-                <a:srgbClr val="000000"/>
-              </a:solidFill>
-              <a:latin typeface="Times New Roman"/>
-            </a:endParaRPr>
           </a:p>
         </p:txBody>
       </p:sp>
@@ -785,13 +840,13 @@
           </a:ln>
         </p:spPr>
         <p:txBody>
-          <a:bodyPr lIns="0" rIns="0" tIns="0" bIns="0" anchor="t">
+          <a:bodyPr lIns="0" tIns="0" rIns="0" bIns="0" anchor="t">
             <a:noAutofit/>
           </a:bodyPr>
           <a:lstStyle>
             <a:lvl1pPr indent="0" algn="r">
               <a:buNone/>
-              <a:defRPr b="0" lang="ru-RU" sz="1400" spc="-1" strike="noStrike">
+              <a:defRPr lang="ru-RU" sz="1400" b="0" strike="noStrike" spc="-1">
                 <a:solidFill>
                   <a:srgbClr val="000000"/>
                 </a:solidFill>
@@ -804,15 +859,15 @@
               <a:buNone/>
             </a:pPr>
             <a:fld id="{6E7BC12B-A4C2-4730-8177-A62DF4A33AF5}" type="slidenum">
-              <a:rPr b="0" lang="ru-RU" sz="1400" spc="-1" strike="noStrike">
-                <a:solidFill>
-                  <a:srgbClr val="000000"/>
-                </a:solidFill>
-                <a:latin typeface="Times New Roman"/>
-              </a:rPr>
-              <a:t>&lt;номер&gt;</a:t>
+              <a:rPr lang="ru-RU" sz="1400" b="0" strike="noStrike" spc="-1">
+                <a:solidFill>
+                  <a:srgbClr val="000000"/>
+                </a:solidFill>
+                <a:latin typeface="Times New Roman"/>
+              </a:rPr>
+              <a:t>‹#›</a:t>
             </a:fld>
-            <a:endParaRPr b="0" lang="ru-RU" sz="1400" spc="-1" strike="noStrike">
+            <a:endParaRPr lang="ru-RU" sz="1400" b="0" strike="noStrike" spc="-1">
               <a:solidFill>
                 <a:srgbClr val="000000"/>
               </a:solidFill>
@@ -823,16 +878,296 @@
       </p:sp>
     </p:spTree>
   </p:cSld>
-  <p:clrMap bg1="lt1" bg2="lt2" tx1="dk1" tx2="dk2" accent1="accent1" accent2="accent2" accent3="accent3" accent4="accent4" accent5="accent5" accent6="accent6" hlink="hlink" folHlink="folHlink"/>
+  <p:clrMap bg1="lt1" tx1="dk1" bg2="lt2" tx2="dk2" accent1="accent1" accent2="accent2" accent3="accent3" accent4="accent4" accent5="accent5" accent6="accent6" hlink="hlink" folHlink="folHlink"/>
   <p:sldLayoutIdLst>
-    <p:sldLayoutId id="2147483649" r:id="rId2"/>
-    <p:sldLayoutId id="2147483650" r:id="rId3"/>
+    <p:sldLayoutId id="2147483649" r:id="rId1"/>
+    <p:sldLayoutId id="2147483650" r:id="rId2"/>
   </p:sldLayoutIdLst>
+  <p:txStyles>
+    <p:titleStyle>
+      <a:lvl1pPr algn="l" defTabSz="914400" rtl="0" eaLnBrk="1" latinLnBrk="0" hangingPunct="1">
+        <a:lnSpc>
+          <a:spcPct val="90000"/>
+        </a:lnSpc>
+        <a:spcBef>
+          <a:spcPct val="0"/>
+        </a:spcBef>
+        <a:buNone/>
+        <a:defRPr sz="4400" kern="1200">
+          <a:solidFill>
+            <a:schemeClr val="tx1"/>
+          </a:solidFill>
+          <a:latin typeface="+mj-lt"/>
+          <a:ea typeface="+mj-ea"/>
+          <a:cs typeface="+mj-cs"/>
+        </a:defRPr>
+      </a:lvl1pPr>
+    </p:titleStyle>
+    <p:bodyStyle>
+      <a:lvl1pPr marL="228600" indent="-228600" algn="l" defTabSz="914400" rtl="0" eaLnBrk="1" latinLnBrk="0" hangingPunct="1">
+        <a:lnSpc>
+          <a:spcPct val="90000"/>
+        </a:lnSpc>
+        <a:spcBef>
+          <a:spcPts val="1000"/>
+        </a:spcBef>
+        <a:buFont typeface="Arial" panose="020B0604020202020204" pitchFamily="34" charset="0"/>
+        <a:buChar char="•"/>
+        <a:defRPr sz="2800" kern="1200">
+          <a:solidFill>
+            <a:schemeClr val="tx1"/>
+          </a:solidFill>
+          <a:latin typeface="+mn-lt"/>
+          <a:ea typeface="+mn-ea"/>
+          <a:cs typeface="+mn-cs"/>
+        </a:defRPr>
+      </a:lvl1pPr>
+      <a:lvl2pPr marL="685800" indent="-228600" algn="l" defTabSz="914400" rtl="0" eaLnBrk="1" latinLnBrk="0" hangingPunct="1">
+        <a:lnSpc>
+          <a:spcPct val="90000"/>
+        </a:lnSpc>
+        <a:spcBef>
+          <a:spcPts val="500"/>
+        </a:spcBef>
+        <a:buFont typeface="Arial" panose="020B0604020202020204" pitchFamily="34" charset="0"/>
+        <a:buChar char="•"/>
+        <a:defRPr sz="2400" kern="1200">
+          <a:solidFill>
+            <a:schemeClr val="tx1"/>
+          </a:solidFill>
+          <a:latin typeface="+mn-lt"/>
+          <a:ea typeface="+mn-ea"/>
+          <a:cs typeface="+mn-cs"/>
+        </a:defRPr>
+      </a:lvl2pPr>
+      <a:lvl3pPr marL="1143000" indent="-228600" algn="l" defTabSz="914400" rtl="0" eaLnBrk="1" latinLnBrk="0" hangingPunct="1">
+        <a:lnSpc>
+          <a:spcPct val="90000"/>
+        </a:lnSpc>
+        <a:spcBef>
+          <a:spcPts val="500"/>
+        </a:spcBef>
+        <a:buFont typeface="Arial" panose="020B0604020202020204" pitchFamily="34" charset="0"/>
+        <a:buChar char="•"/>
+        <a:defRPr sz="2000" kern="1200">
+          <a:solidFill>
+            <a:schemeClr val="tx1"/>
+          </a:solidFill>
+          <a:latin typeface="+mn-lt"/>
+          <a:ea typeface="+mn-ea"/>
+          <a:cs typeface="+mn-cs"/>
+        </a:defRPr>
+      </a:lvl3pPr>
+      <a:lvl4pPr marL="1600200" indent="-228600" algn="l" defTabSz="914400" rtl="0" eaLnBrk="1" latinLnBrk="0" hangingPunct="1">
+        <a:lnSpc>
+          <a:spcPct val="90000"/>
+        </a:lnSpc>
+        <a:spcBef>
+          <a:spcPts val="500"/>
+        </a:spcBef>
+        <a:buFont typeface="Arial" panose="020B0604020202020204" pitchFamily="34" charset="0"/>
+        <a:buChar char="•"/>
+        <a:defRPr sz="1800" kern="1200">
+          <a:solidFill>
+            <a:schemeClr val="tx1"/>
+          </a:solidFill>
+          <a:latin typeface="+mn-lt"/>
+          <a:ea typeface="+mn-ea"/>
+          <a:cs typeface="+mn-cs"/>
+        </a:defRPr>
+      </a:lvl4pPr>
+      <a:lvl5pPr marL="2057400" indent="-228600" algn="l" defTabSz="914400" rtl="0" eaLnBrk="1" latinLnBrk="0" hangingPunct="1">
+        <a:lnSpc>
+          <a:spcPct val="90000"/>
+        </a:lnSpc>
+        <a:spcBef>
+          <a:spcPts val="500"/>
+        </a:spcBef>
+        <a:buFont typeface="Arial" panose="020B0604020202020204" pitchFamily="34" charset="0"/>
+        <a:buChar char="•"/>
+        <a:defRPr sz="1800" kern="1200">
+          <a:solidFill>
+            <a:schemeClr val="tx1"/>
+          </a:solidFill>
+          <a:latin typeface="+mn-lt"/>
+          <a:ea typeface="+mn-ea"/>
+          <a:cs typeface="+mn-cs"/>
+        </a:defRPr>
+      </a:lvl5pPr>
+      <a:lvl6pPr marL="2514600" indent="-228600" algn="l" defTabSz="914400" rtl="0" eaLnBrk="1" latinLnBrk="0" hangingPunct="1">
+        <a:lnSpc>
+          <a:spcPct val="90000"/>
+        </a:lnSpc>
+        <a:spcBef>
+          <a:spcPts val="500"/>
+        </a:spcBef>
+        <a:buFont typeface="Arial" panose="020B0604020202020204" pitchFamily="34" charset="0"/>
+        <a:buChar char="•"/>
+        <a:defRPr sz="1800" kern="1200">
+          <a:solidFill>
+            <a:schemeClr val="tx1"/>
+          </a:solidFill>
+          <a:latin typeface="+mn-lt"/>
+          <a:ea typeface="+mn-ea"/>
+          <a:cs typeface="+mn-cs"/>
+        </a:defRPr>
+      </a:lvl6pPr>
+      <a:lvl7pPr marL="2971800" indent="-228600" algn="l" defTabSz="914400" rtl="0" eaLnBrk="1" latinLnBrk="0" hangingPunct="1">
+        <a:lnSpc>
+          <a:spcPct val="90000"/>
+        </a:lnSpc>
+        <a:spcBef>
+          <a:spcPts val="500"/>
+        </a:spcBef>
+        <a:buFont typeface="Arial" panose="020B0604020202020204" pitchFamily="34" charset="0"/>
+        <a:buChar char="•"/>
+        <a:defRPr sz="1800" kern="1200">
+          <a:solidFill>
+            <a:schemeClr val="tx1"/>
+          </a:solidFill>
+          <a:latin typeface="+mn-lt"/>
+          <a:ea typeface="+mn-ea"/>
+          <a:cs typeface="+mn-cs"/>
+        </a:defRPr>
+      </a:lvl7pPr>
+      <a:lvl8pPr marL="3429000" indent="-228600" algn="l" defTabSz="914400" rtl="0" eaLnBrk="1" latinLnBrk="0" hangingPunct="1">
+        <a:lnSpc>
+          <a:spcPct val="90000"/>
+        </a:lnSpc>
+        <a:spcBef>
+          <a:spcPts val="500"/>
+        </a:spcBef>
+        <a:buFont typeface="Arial" panose="020B0604020202020204" pitchFamily="34" charset="0"/>
+        <a:buChar char="•"/>
+        <a:defRPr sz="1800" kern="1200">
+          <a:solidFill>
+            <a:schemeClr val="tx1"/>
+          </a:solidFill>
+          <a:latin typeface="+mn-lt"/>
+          <a:ea typeface="+mn-ea"/>
+          <a:cs typeface="+mn-cs"/>
+        </a:defRPr>
+      </a:lvl8pPr>
+      <a:lvl9pPr marL="3886200" indent="-228600" algn="l" defTabSz="914400" rtl="0" eaLnBrk="1" latinLnBrk="0" hangingPunct="1">
+        <a:lnSpc>
+          <a:spcPct val="90000"/>
+        </a:lnSpc>
+        <a:spcBef>
+          <a:spcPts val="500"/>
+        </a:spcBef>
+        <a:buFont typeface="Arial" panose="020B0604020202020204" pitchFamily="34" charset="0"/>
+        <a:buChar char="•"/>
+        <a:defRPr sz="1800" kern="1200">
+          <a:solidFill>
+            <a:schemeClr val="tx1"/>
+          </a:solidFill>
+          <a:latin typeface="+mn-lt"/>
+          <a:ea typeface="+mn-ea"/>
+          <a:cs typeface="+mn-cs"/>
+        </a:defRPr>
+      </a:lvl9pPr>
+    </p:bodyStyle>
+    <p:otherStyle>
+      <a:defPPr>
+        <a:defRPr lang="ru-RU"/>
+      </a:defPPr>
+      <a:lvl1pPr marL="0" algn="l" defTabSz="914400" rtl="0" eaLnBrk="1" latinLnBrk="0" hangingPunct="1">
+        <a:defRPr sz="1800" kern="1200">
+          <a:solidFill>
+            <a:schemeClr val="tx1"/>
+          </a:solidFill>
+          <a:latin typeface="+mn-lt"/>
+          <a:ea typeface="+mn-ea"/>
+          <a:cs typeface="+mn-cs"/>
+        </a:defRPr>
+      </a:lvl1pPr>
+      <a:lvl2pPr marL="457200" algn="l" defTabSz="914400" rtl="0" eaLnBrk="1" latinLnBrk="0" hangingPunct="1">
+        <a:defRPr sz="1800" kern="1200">
+          <a:solidFill>
+            <a:schemeClr val="tx1"/>
+          </a:solidFill>
+          <a:latin typeface="+mn-lt"/>
+          <a:ea typeface="+mn-ea"/>
+          <a:cs typeface="+mn-cs"/>
+        </a:defRPr>
+      </a:lvl2pPr>
+      <a:lvl3pPr marL="914400" algn="l" defTabSz="914400" rtl="0" eaLnBrk="1" latinLnBrk="0" hangingPunct="1">
+        <a:defRPr sz="1800" kern="1200">
+          <a:solidFill>
+            <a:schemeClr val="tx1"/>
+          </a:solidFill>
+          <a:latin typeface="+mn-lt"/>
+          <a:ea typeface="+mn-ea"/>
+          <a:cs typeface="+mn-cs"/>
+        </a:defRPr>
+      </a:lvl3pPr>
+      <a:lvl4pPr marL="1371600" algn="l" defTabSz="914400" rtl="0" eaLnBrk="1" latinLnBrk="0" hangingPunct="1">
+        <a:defRPr sz="1800" kern="1200">
+          <a:solidFill>
+            <a:schemeClr val="tx1"/>
+          </a:solidFill>
+          <a:latin typeface="+mn-lt"/>
+          <a:ea typeface="+mn-ea"/>
+          <a:cs typeface="+mn-cs"/>
+        </a:defRPr>
+      </a:lvl4pPr>
+      <a:lvl5pPr marL="1828800" algn="l" defTabSz="914400" rtl="0" eaLnBrk="1" latinLnBrk="0" hangingPunct="1">
+        <a:defRPr sz="1800" kern="1200">
+          <a:solidFill>
+            <a:schemeClr val="tx1"/>
+          </a:solidFill>
+          <a:latin typeface="+mn-lt"/>
+          <a:ea typeface="+mn-ea"/>
+          <a:cs typeface="+mn-cs"/>
+        </a:defRPr>
+      </a:lvl5pPr>
+      <a:lvl6pPr marL="2286000" algn="l" defTabSz="914400" rtl="0" eaLnBrk="1" latinLnBrk="0" hangingPunct="1">
+        <a:defRPr sz="1800" kern="1200">
+          <a:solidFill>
+            <a:schemeClr val="tx1"/>
+          </a:solidFill>
+          <a:latin typeface="+mn-lt"/>
+          <a:ea typeface="+mn-ea"/>
+          <a:cs typeface="+mn-cs"/>
+        </a:defRPr>
+      </a:lvl6pPr>
+      <a:lvl7pPr marL="2743200" algn="l" defTabSz="914400" rtl="0" eaLnBrk="1" latinLnBrk="0" hangingPunct="1">
+        <a:defRPr sz="1800" kern="1200">
+          <a:solidFill>
+            <a:schemeClr val="tx1"/>
+          </a:solidFill>
+          <a:latin typeface="+mn-lt"/>
+          <a:ea typeface="+mn-ea"/>
+          <a:cs typeface="+mn-cs"/>
+        </a:defRPr>
+      </a:lvl7pPr>
+      <a:lvl8pPr marL="3200400" algn="l" defTabSz="914400" rtl="0" eaLnBrk="1" latinLnBrk="0" hangingPunct="1">
+        <a:defRPr sz="1800" kern="1200">
+          <a:solidFill>
+            <a:schemeClr val="tx1"/>
+          </a:solidFill>
+          <a:latin typeface="+mn-lt"/>
+          <a:ea typeface="+mn-ea"/>
+          <a:cs typeface="+mn-cs"/>
+        </a:defRPr>
+      </a:lvl8pPr>
+      <a:lvl9pPr marL="3657600" algn="l" defTabSz="914400" rtl="0" eaLnBrk="1" latinLnBrk="0" hangingPunct="1">
+        <a:defRPr sz="1800" kern="1200">
+          <a:solidFill>
+            <a:schemeClr val="tx1"/>
+          </a:solidFill>
+          <a:latin typeface="+mn-lt"/>
+          <a:ea typeface="+mn-ea"/>
+          <a:cs typeface="+mn-cs"/>
+        </a:defRPr>
+      </a:lvl9pPr>
+    </p:otherStyle>
+  </p:txStyles>
 </p:sldMaster>
 </file>
 
 <file path=ppt/slides/slide1.xml><?xml version="1.0" encoding="utf-8"?>
-<p:sld xmlns:a="http://schemas.openxmlformats.org/drawingml/2006/main" xmlns:p="http://schemas.openxmlformats.org/presentationml/2006/main" xmlns:r="http://schemas.openxmlformats.org/officeDocument/2006/relationships" xmlns:p14="http://schemas.microsoft.com/office/powerpoint/2010/main" xmlns:p15="http://schemas.microsoft.com/office/powerpoint/2012/main" xmlns:mc="http://schemas.openxmlformats.org/markup-compatibility/2006">
+<p:sld xmlns:a="http://schemas.openxmlformats.org/drawingml/2006/main" xmlns:r="http://schemas.openxmlformats.org/officeDocument/2006/relationships" xmlns:p="http://schemas.openxmlformats.org/presentationml/2006/main">
   <p:cSld>
     <p:spTree>
       <p:nvGrpSpPr>
@@ -872,15 +1207,16 @@
           </a:ln>
         </p:spPr>
         <p:txBody>
-          <a:bodyPr lIns="0" rIns="0" tIns="0" bIns="0" anchor="ctr">
+          <a:bodyPr lIns="0" tIns="0" rIns="0" bIns="0" anchor="ctr">
             <a:noAutofit/>
           </a:bodyPr>
+          <a:lstStyle/>
           <a:p>
             <a:pPr indent="0" algn="ctr">
               <a:buNone/>
             </a:pPr>
             <a:r>
-              <a:rPr b="1" lang="ru-RU" sz="2200" spc="-1" strike="noStrike">
+              <a:rPr lang="ru-RU" sz="2200" b="1" strike="noStrike" spc="-1" dirty="0">
                 <a:solidFill>
                   <a:srgbClr val="000000"/>
                 </a:solidFill>
@@ -889,7 +1225,7 @@
               </a:rPr>
               <a:t>РЕФЕРАТ</a:t>
             </a:r>
-            <a:endParaRPr b="0" lang="ru-RU" sz="2200" spc="-1" strike="noStrike">
+            <a:endParaRPr lang="ru-RU" sz="2200" b="0" strike="noStrike" spc="-1" dirty="0">
               <a:solidFill>
                 <a:srgbClr val="000000"/>
               </a:solidFill>
@@ -901,7 +1237,7 @@
               <a:buNone/>
             </a:pPr>
             <a:r>
-              <a:rPr b="0" lang="ru-RU" sz="2200" spc="-1" strike="noStrike">
+              <a:rPr lang="ru-RU" sz="2200" b="0" strike="noStrike" spc="-1" dirty="0">
                 <a:solidFill>
                   <a:srgbClr val="000000"/>
                 </a:solidFill>
@@ -910,7 +1246,7 @@
               </a:rPr>
               <a:t>«Принципы построения систем связи нового поколения (NGN)»</a:t>
             </a:r>
-            <a:endParaRPr b="1" lang="ru-RU" sz="2200" spc="-1" strike="noStrike">
+            <a:endParaRPr lang="ru-RU" sz="2200" b="1" strike="noStrike" spc="-1" dirty="0">
               <a:solidFill>
                 <a:srgbClr val="000000"/>
               </a:solidFill>
@@ -922,7 +1258,7 @@
               <a:buNone/>
             </a:pPr>
             <a:r>
-              <a:rPr b="0" lang="ru-RU" sz="2200" spc="-1" strike="noStrike">
+              <a:rPr lang="ru-RU" sz="2200" b="0" strike="noStrike" spc="-1" dirty="0">
                 <a:solidFill>
                   <a:srgbClr val="000000"/>
                 </a:solidFill>
@@ -932,10 +1268,10 @@
               <a:t>по дисциплине </a:t>
             </a:r>
             <a:br>
-              <a:rPr sz="2200"/>
+              <a:rPr sz="2200" dirty="0"/>
             </a:br>
             <a:r>
-              <a:rPr b="0" lang="ru-RU" sz="2200" spc="-1" strike="noStrike">
+              <a:rPr lang="ru-RU" sz="2200" b="0" strike="noStrike" spc="-1" dirty="0">
                 <a:solidFill>
                   <a:srgbClr val="000000"/>
                 </a:solidFill>
@@ -944,7 +1280,7 @@
               </a:rPr>
               <a:t>«Сопровождение автоматизированных систем»</a:t>
             </a:r>
-            <a:endParaRPr b="1" lang="ru-RU" sz="2200" spc="-1" strike="noStrike">
+            <a:endParaRPr lang="ru-RU" sz="2200" b="1" strike="noStrike" spc="-1" dirty="0">
               <a:solidFill>
                 <a:srgbClr val="000000"/>
               </a:solidFill>
@@ -977,15 +1313,16 @@
           </a:ln>
         </p:spPr>
         <p:txBody>
-          <a:bodyPr lIns="0" rIns="0" tIns="0" bIns="0" anchor="ctr">
+          <a:bodyPr lIns="0" tIns="0" rIns="0" bIns="0" anchor="ctr">
             <a:noAutofit/>
           </a:bodyPr>
+          <a:lstStyle/>
           <a:p>
             <a:pPr indent="0">
               <a:buNone/>
             </a:pPr>
             <a:r>
-              <a:rPr b="0" lang="ru-RU" sz="1500" spc="-1" strike="noStrike">
+              <a:rPr lang="ru-RU" sz="1500" b="0" strike="noStrike" spc="-1">
                 <a:solidFill>
                   <a:srgbClr val="000000"/>
                 </a:solidFill>
@@ -997,7 +1334,7 @@
               <a:rPr sz="1500"/>
             </a:br>
             <a:r>
-              <a:rPr b="0" lang="ru-RU" sz="1500" spc="-1" strike="noStrike">
+              <a:rPr lang="ru-RU" sz="1500" b="0" strike="noStrike" spc="-1">
                 <a:solidFill>
                   <a:srgbClr val="000000"/>
                 </a:solidFill>
@@ -1009,7 +1346,7 @@
               <a:rPr sz="1500"/>
             </a:br>
             <a:r>
-              <a:rPr b="0" lang="ru-RU" sz="1500" spc="-1" strike="noStrike">
+              <a:rPr lang="ru-RU" sz="1500" b="0" strike="noStrike" spc="-1">
                 <a:solidFill>
                   <a:srgbClr val="000000"/>
                 </a:solidFill>
@@ -1017,19 +1354,13 @@
               </a:rPr>
               <a:t>Кузургалиев Р.А.</a:t>
             </a:r>
-            <a:endParaRPr b="0" lang="ru-RU" sz="1500" spc="-1" strike="noStrike">
-              <a:solidFill>
-                <a:srgbClr val="000000"/>
-              </a:solidFill>
-              <a:latin typeface="Times New Roman"/>
-            </a:endParaRPr>
           </a:p>
           <a:p>
             <a:pPr indent="0">
               <a:buNone/>
             </a:pPr>
             <a:r>
-              <a:rPr b="0" lang="ru-RU" sz="1500" spc="-1" strike="noStrike">
+              <a:rPr lang="ru-RU" sz="1500" b="0" strike="noStrike" spc="-1">
                 <a:solidFill>
                   <a:srgbClr val="000000"/>
                 </a:solidFill>
@@ -1041,7 +1372,7 @@
               <a:rPr sz="1500"/>
             </a:br>
             <a:r>
-              <a:rPr b="0" lang="ru-RU" sz="1500" spc="-1" strike="noStrike">
+              <a:rPr lang="ru-RU" sz="1500" b="0" strike="noStrike" spc="-1">
                 <a:solidFill>
                   <a:srgbClr val="000000"/>
                 </a:solidFill>
@@ -1049,30 +1380,126 @@
               </a:rPr>
               <a:t>доцент, к.т.н. Осовский А.В</a:t>
             </a:r>
-            <a:endParaRPr b="0" lang="ru-RU" sz="1500" spc="-1" strike="noStrike">
-              <a:solidFill>
-                <a:srgbClr val="000000"/>
-              </a:solidFill>
-              <a:latin typeface="Times New Roman"/>
-            </a:endParaRPr>
           </a:p>
         </p:txBody>
       </p:sp>
     </p:spTree>
   </p:cSld>
-  <mc:AlternateContent>
-    <mc:Choice Requires="p14">
-      <p:transition spd="slow" p14:dur="2000"/>
-    </mc:Choice>
-    <mc:Fallback>
-      <p:transition spd="slow"/>
-    </mc:Fallback>
-  </mc:AlternateContent>
+  <p:clrMapOvr>
+    <a:masterClrMapping/>
+  </p:clrMapOvr>
 </p:sld>
 </file>
 
 <file path=ppt/slides/slide10.xml><?xml version="1.0" encoding="utf-8"?>
-<p:sld xmlns:a="http://schemas.openxmlformats.org/drawingml/2006/main" xmlns:p="http://schemas.openxmlformats.org/presentationml/2006/main" xmlns:r="http://schemas.openxmlformats.org/officeDocument/2006/relationships" xmlns:p14="http://schemas.microsoft.com/office/powerpoint/2010/main" xmlns:p15="http://schemas.microsoft.com/office/powerpoint/2012/main" xmlns:mc="http://schemas.openxmlformats.org/markup-compatibility/2006">
+<p:sld xmlns:a="http://schemas.openxmlformats.org/drawingml/2006/main" xmlns:r="http://schemas.openxmlformats.org/officeDocument/2006/relationships" xmlns:p="http://schemas.openxmlformats.org/presentationml/2006/main">
+  <p:cSld>
+    <p:spTree>
+      <p:nvGrpSpPr>
+        <p:cNvPr id="1" name=""/>
+        <p:cNvGrpSpPr/>
+        <p:nvPr/>
+      </p:nvGrpSpPr>
+      <p:grpSpPr>
+        <a:xfrm>
+          <a:off x="0" y="0"/>
+          <a:ext cx="0" cy="0"/>
+          <a:chOff x="0" y="0"/>
+          <a:chExt cx="0" cy="0"/>
+        </a:xfrm>
+      </p:grpSpPr>
+      <p:sp>
+        <p:nvSpPr>
+          <p:cNvPr id="29" name="PlaceHolder 1"/>
+          <p:cNvSpPr>
+            <a:spLocks noGrp="1"/>
+          </p:cNvSpPr>
+          <p:nvPr>
+            <p:ph type="title"/>
+          </p:nvPr>
+        </p:nvSpPr>
+        <p:spPr>
+          <a:xfrm>
+            <a:off x="504000" y="74160"/>
+            <a:ext cx="9071640" cy="1250280"/>
+          </a:xfrm>
+          <a:prstGeom prst="rect">
+            <a:avLst/>
+          </a:prstGeom>
+          <a:noFill/>
+          <a:ln w="0">
+            <a:noFill/>
+          </a:ln>
+        </p:spPr>
+        <p:txBody>
+          <a:bodyPr lIns="0" tIns="0" rIns="0" bIns="0" anchor="ctr">
+            <a:noAutofit/>
+          </a:bodyPr>
+          <a:lstStyle/>
+          <a:p>
+            <a:pPr indent="0" algn="ctr">
+              <a:buNone/>
+            </a:pPr>
+            <a:r>
+              <a:rPr lang="ru-RU" sz="4400" b="0" strike="noStrike" spc="-1" dirty="0">
+                <a:solidFill>
+                  <a:srgbClr val="000000"/>
+                </a:solidFill>
+                <a:latin typeface="Arial"/>
+              </a:rPr>
+              <a:t>Пример использовании технологии </a:t>
+            </a:r>
+            <a:r>
+              <a:rPr lang="ru-RU" sz="4400" b="0" strike="noStrike" spc="-1" dirty="0" err="1">
+                <a:solidFill>
+                  <a:srgbClr val="000000"/>
+                </a:solidFill>
+                <a:latin typeface="Arial"/>
+              </a:rPr>
+              <a:t>Softswitch</a:t>
+            </a:r>
+            <a:endParaRPr lang="ru-RU" sz="4400" b="0" strike="noStrike" spc="-1" dirty="0">
+              <a:solidFill>
+                <a:srgbClr val="000000"/>
+              </a:solidFill>
+              <a:latin typeface="Arial"/>
+            </a:endParaRPr>
+          </a:p>
+        </p:txBody>
+      </p:sp>
+      <p:pic>
+        <p:nvPicPr>
+          <p:cNvPr id="31" name="Рисунок 30"/>
+          <p:cNvPicPr/>
+          <p:nvPr/>
+        </p:nvPicPr>
+        <p:blipFill>
+          <a:blip r:embed="rId2"/>
+          <a:stretch/>
+        </p:blipFill>
+        <p:spPr>
+          <a:xfrm>
+            <a:off x="540000" y="1324440"/>
+            <a:ext cx="9000000" cy="4345560"/>
+          </a:xfrm>
+          <a:prstGeom prst="rect">
+            <a:avLst/>
+          </a:prstGeom>
+          <a:ln w="0">
+            <a:noFill/>
+          </a:ln>
+        </p:spPr>
+      </p:pic>
+    </p:spTree>
+  </p:cSld>
+  <p:clrMapOvr>
+    <a:masterClrMapping/>
+  </p:clrMapOvr>
+</p:sld>
+</file>
+
+<file path=ppt/slides/slide11.xml><?xml version="1.0" encoding="utf-8"?>
+<p:sld xmlns:a="http://schemas.openxmlformats.org/drawingml/2006/main" xmlns:r="http://schemas.openxmlformats.org/officeDocument/2006/relationships" xmlns:p="http://schemas.openxmlformats.org/presentationml/2006/main">
   <p:cSld>
     <p:spTree>
       <p:nvGrpSpPr>
@@ -1112,15 +1539,16 @@
           </a:ln>
         </p:spPr>
         <p:txBody>
-          <a:bodyPr lIns="0" rIns="0" tIns="0" bIns="0" anchor="ctr">
+          <a:bodyPr lIns="0" tIns="0" rIns="0" bIns="0" anchor="ctr">
             <a:noAutofit/>
           </a:bodyPr>
+          <a:lstStyle/>
           <a:p>
             <a:pPr indent="0" algn="ctr">
               <a:buNone/>
             </a:pPr>
             <a:r>
-              <a:rPr b="0" lang="ru-RU" sz="4400" spc="-1" strike="noStrike">
+              <a:rPr lang="ru-RU" sz="4400" b="0" strike="noStrike" spc="-1">
                 <a:solidFill>
                   <a:srgbClr val="000000"/>
                 </a:solidFill>
@@ -1128,30 +1556,19 @@
               </a:rPr>
               <a:t>Спасибо за внимание!</a:t>
             </a:r>
-            <a:endParaRPr b="0" lang="ru-RU" sz="4400" spc="-1" strike="noStrike">
-              <a:solidFill>
-                <a:srgbClr val="000000"/>
-              </a:solidFill>
-              <a:latin typeface="Arial"/>
-            </a:endParaRPr>
           </a:p>
         </p:txBody>
       </p:sp>
     </p:spTree>
   </p:cSld>
-  <mc:AlternateContent>
-    <mc:Choice Requires="p14">
-      <p:transition spd="slow" p14:dur="2000"/>
-    </mc:Choice>
-    <mc:Fallback>
-      <p:transition spd="slow"/>
-    </mc:Fallback>
-  </mc:AlternateContent>
+  <p:clrMapOvr>
+    <a:masterClrMapping/>
+  </p:clrMapOvr>
 </p:sld>
 </file>
 
 <file path=ppt/slides/slide2.xml><?xml version="1.0" encoding="utf-8"?>
-<p:sld xmlns:a="http://schemas.openxmlformats.org/drawingml/2006/main" xmlns:p="http://schemas.openxmlformats.org/presentationml/2006/main" xmlns:r="http://schemas.openxmlformats.org/officeDocument/2006/relationships" xmlns:p14="http://schemas.microsoft.com/office/powerpoint/2010/main" xmlns:p15="http://schemas.microsoft.com/office/powerpoint/2012/main" xmlns:mc="http://schemas.openxmlformats.org/markup-compatibility/2006">
+<p:sld xmlns:a="http://schemas.openxmlformats.org/drawingml/2006/main" xmlns:r="http://schemas.openxmlformats.org/officeDocument/2006/relationships" xmlns:p="http://schemas.openxmlformats.org/presentationml/2006/main">
   <p:cSld>
     <p:spTree>
       <p:nvGrpSpPr>
@@ -1191,15 +1608,16 @@
           </a:ln>
         </p:spPr>
         <p:txBody>
-          <a:bodyPr lIns="0" rIns="0" tIns="0" bIns="0" anchor="ctr">
+          <a:bodyPr lIns="0" tIns="0" rIns="0" bIns="0" anchor="ctr">
             <a:noAutofit/>
           </a:bodyPr>
+          <a:lstStyle/>
           <a:p>
             <a:pPr indent="0" algn="ctr">
               <a:buNone/>
             </a:pPr>
             <a:r>
-              <a:rPr b="0" lang="ru-RU" sz="4400" spc="-1" strike="noStrike">
+              <a:rPr lang="ru-RU" sz="4400" b="0" strike="noStrike" spc="-1">
                 <a:solidFill>
                   <a:srgbClr val="000000"/>
                 </a:solidFill>
@@ -1207,12 +1625,6 @@
               </a:rPr>
               <a:t>Введение</a:t>
             </a:r>
-            <a:endParaRPr b="0" lang="ru-RU" sz="4400" spc="-1" strike="noStrike">
-              <a:solidFill>
-                <a:srgbClr val="000000"/>
-              </a:solidFill>
-              <a:latin typeface="Arial"/>
-            </a:endParaRPr>
           </a:p>
         </p:txBody>
       </p:sp>
@@ -1240,9 +1652,10 @@
           </a:ln>
         </p:spPr>
         <p:txBody>
-          <a:bodyPr lIns="0" rIns="0" tIns="0" bIns="0" anchor="t">
+          <a:bodyPr lIns="0" tIns="0" rIns="0" bIns="0" anchor="t">
             <a:normAutofit/>
           </a:bodyPr>
+          <a:lstStyle/>
           <a:p>
             <a:pPr indent="0" algn="just">
               <a:lnSpc>
@@ -1251,16 +1664,16 @@
               <a:buNone/>
             </a:pPr>
             <a:r>
-              <a:rPr b="0" lang="ru-RU" sz="1800" spc="-1" strike="noStrike">
+              <a:rPr lang="ru-RU" sz="1800" b="0" strike="noStrike" spc="-1" dirty="0">
                 <a:solidFill>
                   <a:srgbClr val="000000"/>
                 </a:solidFill>
                 <a:latin typeface="Times New Roman"/>
                 <a:ea typeface="Microsoft YaHei"/>
               </a:rPr>
-              <a:t>Современным абонентам инфокоммуникационных услуг требуется широкий класс разных служб и приложений, предполагающий большое разнообразие протоколов, технологий и скоростей передачи. В существующей ситуации на рынке инфокоммуникационных услуг сети перегружены. Большие эксплуатационные затраты подталкивают операторов к поиску решений таких, как «сети следующего поколения» NGN.</a:t>
-            </a:r>
-            <a:endParaRPr b="0" lang="ru-RU" sz="1800" spc="-1" strike="noStrike">
+              <a:t>	Современным абонентам инфокоммуникационных услуг требуется широкий класс разных служб и приложений, предполагающий большое разнообразие протоколов, технологий и скоростей передачи. В существующей ситуации на рынке инфокоммуникационных услуг сети перегружены. Большие эксплуатационные затраты подталкивают операторов к поиску решений таких, как «сети следующего поколения» NGN.</a:t>
+            </a:r>
+            <a:endParaRPr lang="ru-RU" sz="1800" b="0" strike="noStrike" spc="-1" dirty="0">
               <a:solidFill>
                 <a:srgbClr val="000000"/>
               </a:solidFill>
@@ -1271,19 +1684,14 @@
       </p:sp>
     </p:spTree>
   </p:cSld>
-  <mc:AlternateContent>
-    <mc:Choice Requires="p14">
-      <p:transition spd="slow" p14:dur="2000"/>
-    </mc:Choice>
-    <mc:Fallback>
-      <p:transition spd="slow"/>
-    </mc:Fallback>
-  </mc:AlternateContent>
+  <p:clrMapOvr>
+    <a:masterClrMapping/>
+  </p:clrMapOvr>
 </p:sld>
 </file>
 
 <file path=ppt/slides/slide3.xml><?xml version="1.0" encoding="utf-8"?>
-<p:sld xmlns:a="http://schemas.openxmlformats.org/drawingml/2006/main" xmlns:p="http://schemas.openxmlformats.org/presentationml/2006/main" xmlns:r="http://schemas.openxmlformats.org/officeDocument/2006/relationships" xmlns:p14="http://schemas.microsoft.com/office/powerpoint/2010/main" xmlns:p15="http://schemas.microsoft.com/office/powerpoint/2012/main" xmlns:mc="http://schemas.openxmlformats.org/markup-compatibility/2006">
+<p:sld xmlns:a="http://schemas.openxmlformats.org/drawingml/2006/main" xmlns:r="http://schemas.openxmlformats.org/officeDocument/2006/relationships" xmlns:p="http://schemas.openxmlformats.org/presentationml/2006/main">
   <p:cSld>
     <p:spTree>
       <p:nvGrpSpPr>
@@ -1323,15 +1731,16 @@
           </a:ln>
         </p:spPr>
         <p:txBody>
-          <a:bodyPr lIns="0" rIns="0" tIns="0" bIns="0" anchor="ctr">
+          <a:bodyPr lIns="0" tIns="0" rIns="0" bIns="0" anchor="ctr">
             <a:noAutofit/>
           </a:bodyPr>
+          <a:lstStyle/>
           <a:p>
             <a:pPr indent="0" algn="ctr">
               <a:buNone/>
             </a:pPr>
             <a:r>
-              <a:rPr b="0" lang="ru-RU" sz="4400" spc="-1" strike="noStrike">
+              <a:rPr lang="ru-RU" sz="4400" b="0" strike="noStrike" spc="-1">
                 <a:solidFill>
                   <a:srgbClr val="000000"/>
                 </a:solidFill>
@@ -1339,12 +1748,6 @@
               </a:rPr>
               <a:t>Терминология</a:t>
             </a:r>
-            <a:endParaRPr b="0" lang="ru-RU" sz="4400" spc="-1" strike="noStrike">
-              <a:solidFill>
-                <a:srgbClr val="000000"/>
-              </a:solidFill>
-              <a:latin typeface="Arial"/>
-            </a:endParaRPr>
           </a:p>
         </p:txBody>
       </p:sp>
@@ -1372,9 +1775,10 @@
           </a:ln>
         </p:spPr>
         <p:txBody>
-          <a:bodyPr lIns="0" rIns="0" tIns="0" bIns="0" anchor="t">
+          <a:bodyPr lIns="0" tIns="0" rIns="0" bIns="0" anchor="t">
             <a:normAutofit/>
           </a:bodyPr>
+          <a:lstStyle/>
           <a:p>
             <a:pPr indent="0" algn="just">
               <a:lnSpc>
@@ -1383,16 +1787,56 @@
               <a:buNone/>
             </a:pPr>
             <a:r>
-              <a:rPr b="0" lang="ru-RU" sz="1800" spc="-1" strike="noStrike">
-                <a:solidFill>
-                  <a:srgbClr val="000000"/>
-                </a:solidFill>
-                <a:latin typeface="Times New Roman"/>
-                <a:ea typeface="Calibri"/>
-              </a:rPr>
-              <a:t>Сеть следующего поколения (NGN) – это сеть с пакетной коммутацией, способная обеспечить пользователей разнообразными узкополосными и широкополосными услугами, включая услуги телефонной связи, основанная на широкополосной сети с пакетной технологией транспортировки, обеспечивающей необходимое качество услуг QoS (Quality of Service), в которой функции, связанные с предоставлением услуг, не зависят от технологий транспортировки информации. </a:t>
-            </a:r>
-            <a:endParaRPr b="0" lang="ru-RU" sz="1800" spc="-1" strike="noStrike">
+              <a:rPr lang="ru-RU" sz="1800" b="0" strike="noStrike" spc="-1" dirty="0">
+                <a:solidFill>
+                  <a:srgbClr val="000000"/>
+                </a:solidFill>
+                <a:latin typeface="Times New Roman"/>
+                <a:ea typeface="Calibri"/>
+              </a:rPr>
+              <a:t>	Сеть следующего поколения (NGN) – это сеть с пакетной коммутацией, способная обеспечить пользователей разнообразными узкополосными и широкополосными услугами, включая услуги телефонной связи, основанная на широкополосной сети с пакетной технологией транспортировки, обеспечивающей необходимое качество услуг </a:t>
+            </a:r>
+            <a:r>
+              <a:rPr lang="ru-RU" sz="1800" b="0" strike="noStrike" spc="-1" dirty="0" err="1">
+                <a:solidFill>
+                  <a:srgbClr val="000000"/>
+                </a:solidFill>
+                <a:latin typeface="Times New Roman"/>
+                <a:ea typeface="Calibri"/>
+              </a:rPr>
+              <a:t>QoS</a:t>
+            </a:r>
+            <a:r>
+              <a:rPr lang="ru-RU" sz="1800" b="0" strike="noStrike" spc="-1" dirty="0">
+                <a:solidFill>
+                  <a:srgbClr val="000000"/>
+                </a:solidFill>
+                <a:latin typeface="Times New Roman"/>
+                <a:ea typeface="Calibri"/>
+              </a:rPr>
+              <a:t> (Quality </a:t>
+            </a:r>
+            <a:r>
+              <a:rPr lang="ru-RU" sz="1800" b="0" strike="noStrike" spc="-1" dirty="0" err="1">
+                <a:solidFill>
+                  <a:srgbClr val="000000"/>
+                </a:solidFill>
+                <a:latin typeface="Times New Roman"/>
+                <a:ea typeface="Calibri"/>
+              </a:rPr>
+              <a:t>of</a:t>
+            </a:r>
+            <a:r>
+              <a:rPr lang="ru-RU" sz="1800" b="0" strike="noStrike" spc="-1" dirty="0">
+                <a:solidFill>
+                  <a:srgbClr val="000000"/>
+                </a:solidFill>
+                <a:latin typeface="Times New Roman"/>
+                <a:ea typeface="Calibri"/>
+              </a:rPr>
+              <a:t> Service), в которой функции, связанные с предоставлением услуг, не зависят от технологий транспортировки информации. </a:t>
+            </a:r>
+            <a:endParaRPr lang="ru-RU" sz="1800" b="0" strike="noStrike" spc="-1" dirty="0">
               <a:solidFill>
                 <a:srgbClr val="000000"/>
               </a:solidFill>
@@ -1403,19 +1847,14 @@
       </p:sp>
     </p:spTree>
   </p:cSld>
-  <mc:AlternateContent>
-    <mc:Choice Requires="p14">
-      <p:transition spd="slow" p14:dur="2000"/>
-    </mc:Choice>
-    <mc:Fallback>
-      <p:transition spd="slow"/>
-    </mc:Fallback>
-  </mc:AlternateContent>
+  <p:clrMapOvr>
+    <a:masterClrMapping/>
+  </p:clrMapOvr>
 </p:sld>
 </file>
 
 <file path=ppt/slides/slide4.xml><?xml version="1.0" encoding="utf-8"?>
-<p:sld xmlns:a="http://schemas.openxmlformats.org/drawingml/2006/main" xmlns:p="http://schemas.openxmlformats.org/presentationml/2006/main" xmlns:r="http://schemas.openxmlformats.org/officeDocument/2006/relationships" xmlns:p14="http://schemas.microsoft.com/office/powerpoint/2010/main" xmlns:p15="http://schemas.microsoft.com/office/powerpoint/2012/main" xmlns:mc="http://schemas.openxmlformats.org/markup-compatibility/2006">
+<p:sld xmlns:a="http://schemas.openxmlformats.org/drawingml/2006/main" xmlns:r="http://schemas.openxmlformats.org/officeDocument/2006/relationships" xmlns:p="http://schemas.openxmlformats.org/presentationml/2006/main">
   <p:cSld>
     <p:spTree>
       <p:nvGrpSpPr>
@@ -1455,15 +1894,16 @@
           </a:ln>
         </p:spPr>
         <p:txBody>
-          <a:bodyPr lIns="0" rIns="0" tIns="0" bIns="0" anchor="ctr">
+          <a:bodyPr lIns="0" tIns="0" rIns="0" bIns="0" anchor="ctr">
             <a:noAutofit/>
           </a:bodyPr>
+          <a:lstStyle/>
           <a:p>
             <a:pPr indent="0" algn="ctr">
               <a:buNone/>
             </a:pPr>
             <a:r>
-              <a:rPr b="0" lang="ru-RU" sz="4400" spc="-1" strike="noStrike">
+              <a:rPr lang="ru-RU" sz="4400" b="0" strike="noStrike" spc="-1">
                 <a:solidFill>
                   <a:srgbClr val="000000"/>
                 </a:solidFill>
@@ -1471,66 +1911,17 @@
               </a:rPr>
               <a:t>Базовая эталонная модель NGN</a:t>
             </a:r>
-            <a:endParaRPr b="0" lang="ru-RU" sz="4400" spc="-1" strike="noStrike">
-              <a:solidFill>
-                <a:srgbClr val="000000"/>
-              </a:solidFill>
-              <a:latin typeface="Arial"/>
-            </a:endParaRPr>
-          </a:p>
-        </p:txBody>
-      </p:sp>
-      <p:sp>
-        <p:nvSpPr>
-          <p:cNvPr id="16" name="PlaceHolder 2"/>
-          <p:cNvSpPr>
-            <a:spLocks noGrp="1"/>
-          </p:cNvSpPr>
-          <p:nvPr>
-            <p:ph/>
-          </p:nvPr>
-        </p:nvSpPr>
-        <p:spPr>
-          <a:xfrm>
-            <a:off x="504000" y="1326600"/>
-            <a:ext cx="9071640" cy="3288240"/>
-          </a:xfrm>
-          <a:prstGeom prst="rect">
-            <a:avLst/>
-          </a:prstGeom>
-          <a:noFill/>
-          <a:ln w="0">
-            <a:noFill/>
-          </a:ln>
-        </p:spPr>
-        <p:txBody>
-          <a:bodyPr lIns="0" rIns="0" tIns="0" bIns="0" anchor="t">
-            <a:normAutofit/>
-          </a:bodyPr>
-          <a:p>
-            <a:pPr indent="0">
-              <a:spcBef>
-                <a:spcPts val="1417"/>
-              </a:spcBef>
-              <a:buNone/>
-            </a:pPr>
-            <a:endParaRPr b="0" lang="ru-RU" sz="3200" spc="-1" strike="noStrike">
-              <a:solidFill>
-                <a:srgbClr val="000000"/>
-              </a:solidFill>
-              <a:latin typeface="Arial"/>
-            </a:endParaRPr>
           </a:p>
         </p:txBody>
       </p:sp>
       <p:pic>
         <p:nvPicPr>
-          <p:cNvPr id="17" name="" descr=""/>
+          <p:cNvPr id="17" name="Рисунок 16"/>
           <p:cNvPicPr/>
           <p:nvPr/>
         </p:nvPicPr>
         <p:blipFill>
-          <a:blip r:embed="rId1"/>
+          <a:blip r:embed="rId2"/>
           <a:stretch/>
         </p:blipFill>
         <p:spPr>
@@ -1548,19 +1939,14 @@
       </p:pic>
     </p:spTree>
   </p:cSld>
-  <mc:AlternateContent>
-    <mc:Choice Requires="p14">
-      <p:transition spd="slow" p14:dur="2000"/>
-    </mc:Choice>
-    <mc:Fallback>
-      <p:transition spd="slow"/>
-    </mc:Fallback>
-  </mc:AlternateContent>
+  <p:clrMapOvr>
+    <a:masterClrMapping/>
+  </p:clrMapOvr>
 </p:sld>
 </file>
 
 <file path=ppt/slides/slide5.xml><?xml version="1.0" encoding="utf-8"?>
-<p:sld xmlns:a="http://schemas.openxmlformats.org/drawingml/2006/main" xmlns:p="http://schemas.openxmlformats.org/presentationml/2006/main" xmlns:r="http://schemas.openxmlformats.org/officeDocument/2006/relationships" xmlns:p14="http://schemas.microsoft.com/office/powerpoint/2010/main" xmlns:p15="http://schemas.microsoft.com/office/powerpoint/2012/main" xmlns:mc="http://schemas.openxmlformats.org/markup-compatibility/2006">
+<p:sld xmlns:a="http://schemas.openxmlformats.org/drawingml/2006/main" xmlns:r="http://schemas.openxmlformats.org/officeDocument/2006/relationships" xmlns:p="http://schemas.openxmlformats.org/presentationml/2006/main">
   <p:cSld>
     <p:spTree>
       <p:nvGrpSpPr>
@@ -1600,15 +1986,16 @@
           </a:ln>
         </p:spPr>
         <p:txBody>
-          <a:bodyPr lIns="0" rIns="0" tIns="0" bIns="0" anchor="ctr">
+          <a:bodyPr lIns="0" tIns="0" rIns="0" bIns="0" anchor="ctr">
             <a:noAutofit/>
           </a:bodyPr>
+          <a:lstStyle/>
           <a:p>
             <a:pPr indent="0" algn="ctr">
               <a:buNone/>
             </a:pPr>
             <a:r>
-              <a:rPr b="0" lang="ru-RU" sz="4400" spc="-1" strike="noStrike">
+              <a:rPr lang="ru-RU" sz="4400" b="0" strike="noStrike" spc="-1">
                 <a:solidFill>
                   <a:srgbClr val="000000"/>
                 </a:solidFill>
@@ -1616,66 +2003,17 @@
               </a:rPr>
               <a:t>Уровни архитектуры NGN</a:t>
             </a:r>
-            <a:endParaRPr b="0" lang="ru-RU" sz="4400" spc="-1" strike="noStrike">
-              <a:solidFill>
-                <a:srgbClr val="000000"/>
-              </a:solidFill>
-              <a:latin typeface="Arial"/>
-            </a:endParaRPr>
-          </a:p>
-        </p:txBody>
-      </p:sp>
-      <p:sp>
-        <p:nvSpPr>
-          <p:cNvPr id="19" name="PlaceHolder 2"/>
-          <p:cNvSpPr>
-            <a:spLocks noGrp="1"/>
-          </p:cNvSpPr>
-          <p:nvPr>
-            <p:ph/>
-          </p:nvPr>
-        </p:nvSpPr>
-        <p:spPr>
-          <a:xfrm>
-            <a:off x="504000" y="1326600"/>
-            <a:ext cx="9071640" cy="3288240"/>
-          </a:xfrm>
-          <a:prstGeom prst="rect">
-            <a:avLst/>
-          </a:prstGeom>
-          <a:noFill/>
-          <a:ln w="0">
-            <a:noFill/>
-          </a:ln>
-        </p:spPr>
-        <p:txBody>
-          <a:bodyPr lIns="0" rIns="0" tIns="0" bIns="0" anchor="t">
-            <a:normAutofit/>
-          </a:bodyPr>
-          <a:p>
-            <a:pPr indent="0">
-              <a:spcBef>
-                <a:spcPts val="1417"/>
-              </a:spcBef>
-              <a:buNone/>
-            </a:pPr>
-            <a:endParaRPr b="0" lang="ru-RU" sz="3200" spc="-1" strike="noStrike">
-              <a:solidFill>
-                <a:srgbClr val="000000"/>
-              </a:solidFill>
-              <a:latin typeface="Arial"/>
-            </a:endParaRPr>
           </a:p>
         </p:txBody>
       </p:sp>
       <p:pic>
         <p:nvPicPr>
-          <p:cNvPr id="20" name="" descr=""/>
+          <p:cNvPr id="20" name="Рисунок 19"/>
           <p:cNvPicPr/>
           <p:nvPr/>
         </p:nvPicPr>
         <p:blipFill>
-          <a:blip r:embed="rId1"/>
+          <a:blip r:embed="rId2"/>
           <a:stretch/>
         </p:blipFill>
         <p:spPr>
@@ -1693,19 +2031,14 @@
       </p:pic>
     </p:spTree>
   </p:cSld>
-  <mc:AlternateContent>
-    <mc:Choice Requires="p14">
-      <p:transition spd="slow" p14:dur="2000"/>
-    </mc:Choice>
-    <mc:Fallback>
-      <p:transition spd="slow"/>
-    </mc:Fallback>
-  </mc:AlternateContent>
+  <p:clrMapOvr>
+    <a:masterClrMapping/>
+  </p:clrMapOvr>
 </p:sld>
 </file>
 
 <file path=ppt/slides/slide6.xml><?xml version="1.0" encoding="utf-8"?>
-<p:sld xmlns:a="http://schemas.openxmlformats.org/drawingml/2006/main" xmlns:p="http://schemas.openxmlformats.org/presentationml/2006/main" xmlns:r="http://schemas.openxmlformats.org/officeDocument/2006/relationships" xmlns:p14="http://schemas.microsoft.com/office/powerpoint/2010/main" xmlns:p15="http://schemas.microsoft.com/office/powerpoint/2012/main" xmlns:mc="http://schemas.openxmlformats.org/markup-compatibility/2006">
+<p:sld xmlns:a="http://schemas.openxmlformats.org/drawingml/2006/main" xmlns:r="http://schemas.openxmlformats.org/officeDocument/2006/relationships" xmlns:p="http://schemas.openxmlformats.org/presentationml/2006/main">
   <p:cSld>
     <p:spTree>
       <p:nvGrpSpPr>
@@ -1745,9 +2078,10 @@
           </a:ln>
         </p:spPr>
         <p:txBody>
-          <a:bodyPr lIns="0" rIns="0" tIns="0" bIns="0" anchor="ctr">
+          <a:bodyPr lIns="0" tIns="0" rIns="0" bIns="0" anchor="ctr">
             <a:noAutofit/>
           </a:bodyPr>
+          <a:lstStyle/>
           <a:p>
             <a:pPr indent="0" algn="ctr">
               <a:lnSpc>
@@ -1762,7 +2096,7 @@
               <a:buNone/>
             </a:pPr>
             <a:r>
-              <a:rPr b="0" lang="ru-RU" sz="4400" spc="-1" strike="noStrike">
+              <a:rPr lang="ru-RU" sz="4400" b="0" strike="noStrike" spc="-1">
                 <a:solidFill>
                   <a:srgbClr val="000000"/>
                 </a:solidFill>
@@ -1771,7 +2105,7 @@
               </a:rPr>
               <a:t>Softswitch</a:t>
             </a:r>
-            <a:endParaRPr b="0" lang="ru-RU" sz="4400" spc="-1" strike="noStrike">
+            <a:endParaRPr lang="ru-RU" sz="4400" b="0" strike="noStrike" spc="-1">
               <a:solidFill>
                 <a:srgbClr val="000000"/>
               </a:solidFill>
@@ -1804,9 +2138,10 @@
           </a:ln>
         </p:spPr>
         <p:txBody>
-          <a:bodyPr lIns="0" rIns="0" tIns="0" bIns="0" anchor="t">
+          <a:bodyPr lIns="0" tIns="0" rIns="0" bIns="0" anchor="t">
             <a:normAutofit/>
           </a:bodyPr>
+          <a:lstStyle/>
           <a:p>
             <a:pPr indent="0" algn="just">
               <a:lnSpc>
@@ -1815,16 +2150,506 @@
               <a:buNone/>
             </a:pPr>
             <a:r>
-              <a:rPr b="0" lang="en-US" sz="1800" spc="-1" strike="noStrike">
-                <a:solidFill>
-                  <a:srgbClr val="000000"/>
-                </a:solidFill>
-                <a:latin typeface="Times New Roman"/>
-                <a:ea typeface="Calibri"/>
-              </a:rPr>
-              <a:t>Softswitch является программным обеспечением, производящим как маршрутизацию каналов VoIP-телефонии, так и являющимся самостоятельным VoIP-сервером. Данное ПО может использоваться как специализированном устройстве, так и на отдельном сервере либо кластере. </a:t>
-            </a:r>
-            <a:endParaRPr b="0" lang="en-US" sz="1800" spc="-1" strike="noStrike">
+              <a:rPr lang="ru-RU" sz="1800" b="0" strike="noStrike" spc="-1" dirty="0">
+                <a:solidFill>
+                  <a:srgbClr val="000000"/>
+                </a:solidFill>
+                <a:latin typeface="Times New Roman"/>
+                <a:ea typeface="Calibri"/>
+              </a:rPr>
+              <a:t>	</a:t>
+            </a:r>
+            <a:r>
+              <a:rPr lang="en-US" sz="1800" b="0" strike="noStrike" spc="-1" dirty="0">
+                <a:solidFill>
+                  <a:srgbClr val="000000"/>
+                </a:solidFill>
+                <a:latin typeface="Times New Roman"/>
+                <a:ea typeface="Calibri"/>
+              </a:rPr>
+              <a:t>Softswitch </a:t>
+            </a:r>
+            <a:r>
+              <a:rPr lang="en-US" sz="1800" b="0" strike="noStrike" spc="-1" dirty="0" err="1">
+                <a:solidFill>
+                  <a:srgbClr val="000000"/>
+                </a:solidFill>
+                <a:latin typeface="Times New Roman"/>
+                <a:ea typeface="Calibri"/>
+              </a:rPr>
+              <a:t>является</a:t>
+            </a:r>
+            <a:r>
+              <a:rPr lang="en-US" sz="1800" b="0" strike="noStrike" spc="-1" dirty="0">
+                <a:solidFill>
+                  <a:srgbClr val="000000"/>
+                </a:solidFill>
+                <a:latin typeface="Times New Roman"/>
+                <a:ea typeface="Calibri"/>
+              </a:rPr>
+              <a:t> </a:t>
+            </a:r>
+            <a:r>
+              <a:rPr lang="en-US" sz="1800" b="0" strike="noStrike" spc="-1" dirty="0" err="1">
+                <a:solidFill>
+                  <a:srgbClr val="000000"/>
+                </a:solidFill>
+                <a:latin typeface="Times New Roman"/>
+                <a:ea typeface="Calibri"/>
+              </a:rPr>
+              <a:t>программным</a:t>
+            </a:r>
+            <a:r>
+              <a:rPr lang="en-US" sz="1800" b="0" strike="noStrike" spc="-1" dirty="0">
+                <a:solidFill>
+                  <a:srgbClr val="000000"/>
+                </a:solidFill>
+                <a:latin typeface="Times New Roman"/>
+                <a:ea typeface="Calibri"/>
+              </a:rPr>
+              <a:t> </a:t>
+            </a:r>
+            <a:r>
+              <a:rPr lang="en-US" sz="1800" b="0" strike="noStrike" spc="-1" dirty="0" err="1">
+                <a:solidFill>
+                  <a:srgbClr val="000000"/>
+                </a:solidFill>
+                <a:latin typeface="Times New Roman"/>
+                <a:ea typeface="Calibri"/>
+              </a:rPr>
+              <a:t>обеспечением</a:t>
+            </a:r>
+            <a:r>
+              <a:rPr lang="en-US" sz="1800" b="0" strike="noStrike" spc="-1" dirty="0">
+                <a:solidFill>
+                  <a:srgbClr val="000000"/>
+                </a:solidFill>
+                <a:latin typeface="Times New Roman"/>
+                <a:ea typeface="Calibri"/>
+              </a:rPr>
+              <a:t>, </a:t>
+            </a:r>
+            <a:r>
+              <a:rPr lang="en-US" sz="1800" b="0" strike="noStrike" spc="-1" dirty="0" err="1">
+                <a:solidFill>
+                  <a:srgbClr val="000000"/>
+                </a:solidFill>
+                <a:latin typeface="Times New Roman"/>
+                <a:ea typeface="Calibri"/>
+              </a:rPr>
+              <a:t>производящим</a:t>
+            </a:r>
+            <a:r>
+              <a:rPr lang="en-US" sz="1800" b="0" strike="noStrike" spc="-1" dirty="0">
+                <a:solidFill>
+                  <a:srgbClr val="000000"/>
+                </a:solidFill>
+                <a:latin typeface="Times New Roman"/>
+                <a:ea typeface="Calibri"/>
+              </a:rPr>
+              <a:t> </a:t>
+            </a:r>
+            <a:r>
+              <a:rPr lang="en-US" sz="1800" b="0" strike="noStrike" spc="-1" dirty="0" err="1">
+                <a:solidFill>
+                  <a:srgbClr val="000000"/>
+                </a:solidFill>
+                <a:latin typeface="Times New Roman"/>
+                <a:ea typeface="Calibri"/>
+              </a:rPr>
+              <a:t>как</a:t>
+            </a:r>
+            <a:r>
+              <a:rPr lang="en-US" sz="1800" b="0" strike="noStrike" spc="-1" dirty="0">
+                <a:solidFill>
+                  <a:srgbClr val="000000"/>
+                </a:solidFill>
+                <a:latin typeface="Times New Roman"/>
+                <a:ea typeface="Calibri"/>
+              </a:rPr>
+              <a:t> </a:t>
+            </a:r>
+            <a:r>
+              <a:rPr lang="en-US" sz="1800" b="0" strike="noStrike" spc="-1" dirty="0" err="1">
+                <a:solidFill>
+                  <a:srgbClr val="000000"/>
+                </a:solidFill>
+                <a:latin typeface="Times New Roman"/>
+                <a:ea typeface="Calibri"/>
+              </a:rPr>
+              <a:t>маршрутизацию</a:t>
+            </a:r>
+            <a:r>
+              <a:rPr lang="en-US" sz="1800" b="0" strike="noStrike" spc="-1" dirty="0">
+                <a:solidFill>
+                  <a:srgbClr val="000000"/>
+                </a:solidFill>
+                <a:latin typeface="Times New Roman"/>
+                <a:ea typeface="Calibri"/>
+              </a:rPr>
+              <a:t> </a:t>
+            </a:r>
+            <a:r>
+              <a:rPr lang="en-US" sz="1800" b="0" strike="noStrike" spc="-1" dirty="0" err="1">
+                <a:solidFill>
+                  <a:srgbClr val="000000"/>
+                </a:solidFill>
+                <a:latin typeface="Times New Roman"/>
+                <a:ea typeface="Calibri"/>
+              </a:rPr>
+              <a:t>каналов</a:t>
+            </a:r>
+            <a:r>
+              <a:rPr lang="en-US" sz="1800" b="0" strike="noStrike" spc="-1" dirty="0">
+                <a:solidFill>
+                  <a:srgbClr val="000000"/>
+                </a:solidFill>
+                <a:latin typeface="Times New Roman"/>
+                <a:ea typeface="Calibri"/>
+              </a:rPr>
+              <a:t> VoIP-</a:t>
+            </a:r>
+            <a:r>
+              <a:rPr lang="en-US" sz="1800" b="0" strike="noStrike" spc="-1" dirty="0" err="1">
+                <a:solidFill>
+                  <a:srgbClr val="000000"/>
+                </a:solidFill>
+                <a:latin typeface="Times New Roman"/>
+                <a:ea typeface="Calibri"/>
+              </a:rPr>
+              <a:t>телефонии</a:t>
+            </a:r>
+            <a:r>
+              <a:rPr lang="en-US" sz="1800" b="0" strike="noStrike" spc="-1" dirty="0">
+                <a:solidFill>
+                  <a:srgbClr val="000000"/>
+                </a:solidFill>
+                <a:latin typeface="Times New Roman"/>
+                <a:ea typeface="Calibri"/>
+              </a:rPr>
+              <a:t>, </a:t>
+            </a:r>
+            <a:r>
+              <a:rPr lang="en-US" sz="1800" b="0" strike="noStrike" spc="-1" dirty="0" err="1">
+                <a:solidFill>
+                  <a:srgbClr val="000000"/>
+                </a:solidFill>
+                <a:latin typeface="Times New Roman"/>
+                <a:ea typeface="Calibri"/>
+              </a:rPr>
+              <a:t>так</a:t>
+            </a:r>
+            <a:r>
+              <a:rPr lang="en-US" sz="1800" b="0" strike="noStrike" spc="-1" dirty="0">
+                <a:solidFill>
+                  <a:srgbClr val="000000"/>
+                </a:solidFill>
+                <a:latin typeface="Times New Roman"/>
+                <a:ea typeface="Calibri"/>
+              </a:rPr>
+              <a:t> и </a:t>
+            </a:r>
+            <a:r>
+              <a:rPr lang="en-US" sz="1800" b="0" strike="noStrike" spc="-1" dirty="0" err="1">
+                <a:solidFill>
+                  <a:srgbClr val="000000"/>
+                </a:solidFill>
+                <a:latin typeface="Times New Roman"/>
+                <a:ea typeface="Calibri"/>
+              </a:rPr>
+              <a:t>являющимся</a:t>
+            </a:r>
+            <a:r>
+              <a:rPr lang="en-US" sz="1800" b="0" strike="noStrike" spc="-1" dirty="0">
+                <a:solidFill>
+                  <a:srgbClr val="000000"/>
+                </a:solidFill>
+                <a:latin typeface="Times New Roman"/>
+                <a:ea typeface="Calibri"/>
+              </a:rPr>
+              <a:t> </a:t>
+            </a:r>
+            <a:r>
+              <a:rPr lang="en-US" sz="1800" b="0" strike="noStrike" spc="-1" dirty="0" err="1">
+                <a:solidFill>
+                  <a:srgbClr val="000000"/>
+                </a:solidFill>
+                <a:latin typeface="Times New Roman"/>
+                <a:ea typeface="Calibri"/>
+              </a:rPr>
+              <a:t>самостоятельным</a:t>
+            </a:r>
+            <a:r>
+              <a:rPr lang="en-US" sz="1800" b="0" strike="noStrike" spc="-1" dirty="0">
+                <a:solidFill>
+                  <a:srgbClr val="000000"/>
+                </a:solidFill>
+                <a:latin typeface="Times New Roman"/>
+                <a:ea typeface="Calibri"/>
+              </a:rPr>
+              <a:t> VoIP-</a:t>
+            </a:r>
+            <a:r>
+              <a:rPr lang="en-US" sz="1800" b="0" strike="noStrike" spc="-1" dirty="0" err="1">
+                <a:solidFill>
+                  <a:srgbClr val="000000"/>
+                </a:solidFill>
+                <a:latin typeface="Times New Roman"/>
+                <a:ea typeface="Calibri"/>
+              </a:rPr>
+              <a:t>сервером</a:t>
+            </a:r>
+            <a:r>
+              <a:rPr lang="en-US" sz="1800" b="0" strike="noStrike" spc="-1" dirty="0">
+                <a:solidFill>
+                  <a:srgbClr val="000000"/>
+                </a:solidFill>
+                <a:latin typeface="Times New Roman"/>
+                <a:ea typeface="Calibri"/>
+              </a:rPr>
+              <a:t>. </a:t>
+            </a:r>
+            <a:r>
+              <a:rPr lang="en-US" sz="1800" b="0" strike="noStrike" spc="-1" dirty="0" err="1">
+                <a:solidFill>
+                  <a:srgbClr val="000000"/>
+                </a:solidFill>
+                <a:latin typeface="Times New Roman"/>
+                <a:ea typeface="Calibri"/>
+              </a:rPr>
+              <a:t>Данное</a:t>
+            </a:r>
+            <a:r>
+              <a:rPr lang="en-US" sz="1800" b="0" strike="noStrike" spc="-1" dirty="0">
+                <a:solidFill>
+                  <a:srgbClr val="000000"/>
+                </a:solidFill>
+                <a:latin typeface="Times New Roman"/>
+                <a:ea typeface="Calibri"/>
+              </a:rPr>
+              <a:t> ПО </a:t>
+            </a:r>
+            <a:r>
+              <a:rPr lang="en-US" sz="1800" b="0" strike="noStrike" spc="-1" dirty="0" err="1">
+                <a:solidFill>
+                  <a:srgbClr val="000000"/>
+                </a:solidFill>
+                <a:latin typeface="Times New Roman"/>
+                <a:ea typeface="Calibri"/>
+              </a:rPr>
+              <a:t>может</a:t>
+            </a:r>
+            <a:r>
+              <a:rPr lang="en-US" sz="1800" b="0" strike="noStrike" spc="-1" dirty="0">
+                <a:solidFill>
+                  <a:srgbClr val="000000"/>
+                </a:solidFill>
+                <a:latin typeface="Times New Roman"/>
+                <a:ea typeface="Calibri"/>
+              </a:rPr>
+              <a:t> </a:t>
+            </a:r>
+            <a:r>
+              <a:rPr lang="en-US" sz="1800" b="0" strike="noStrike" spc="-1" dirty="0" err="1">
+                <a:solidFill>
+                  <a:srgbClr val="000000"/>
+                </a:solidFill>
+                <a:latin typeface="Times New Roman"/>
+                <a:ea typeface="Calibri"/>
+              </a:rPr>
+              <a:t>использоваться</a:t>
+            </a:r>
+            <a:r>
+              <a:rPr lang="en-US" sz="1800" b="0" strike="noStrike" spc="-1" dirty="0">
+                <a:solidFill>
+                  <a:srgbClr val="000000"/>
+                </a:solidFill>
+                <a:latin typeface="Times New Roman"/>
+                <a:ea typeface="Calibri"/>
+              </a:rPr>
+              <a:t> </a:t>
+            </a:r>
+            <a:r>
+              <a:rPr lang="en-US" sz="1800" b="0" strike="noStrike" spc="-1" dirty="0" err="1">
+                <a:solidFill>
+                  <a:srgbClr val="000000"/>
+                </a:solidFill>
+                <a:latin typeface="Times New Roman"/>
+                <a:ea typeface="Calibri"/>
+              </a:rPr>
+              <a:t>как</a:t>
+            </a:r>
+            <a:r>
+              <a:rPr lang="en-US" sz="1800" b="0" strike="noStrike" spc="-1" dirty="0">
+                <a:solidFill>
+                  <a:srgbClr val="000000"/>
+                </a:solidFill>
+                <a:latin typeface="Times New Roman"/>
+                <a:ea typeface="Calibri"/>
+              </a:rPr>
+              <a:t> </a:t>
+            </a:r>
+            <a:r>
+              <a:rPr lang="en-US" sz="1800" b="0" strike="noStrike" spc="-1" dirty="0" err="1">
+                <a:solidFill>
+                  <a:srgbClr val="000000"/>
+                </a:solidFill>
+                <a:latin typeface="Times New Roman"/>
+                <a:ea typeface="Calibri"/>
+              </a:rPr>
+              <a:t>специализированном</a:t>
+            </a:r>
+            <a:r>
+              <a:rPr lang="en-US" sz="1800" b="0" strike="noStrike" spc="-1" dirty="0">
+                <a:solidFill>
+                  <a:srgbClr val="000000"/>
+                </a:solidFill>
+                <a:latin typeface="Times New Roman"/>
+                <a:ea typeface="Calibri"/>
+              </a:rPr>
+              <a:t> </a:t>
+            </a:r>
+            <a:r>
+              <a:rPr lang="en-US" sz="1800" b="0" strike="noStrike" spc="-1" dirty="0" err="1">
+                <a:solidFill>
+                  <a:srgbClr val="000000"/>
+                </a:solidFill>
+                <a:latin typeface="Times New Roman"/>
+                <a:ea typeface="Calibri"/>
+              </a:rPr>
+              <a:t>устройстве</a:t>
+            </a:r>
+            <a:r>
+              <a:rPr lang="en-US" sz="1800" b="0" strike="noStrike" spc="-1" dirty="0">
+                <a:solidFill>
+                  <a:srgbClr val="000000"/>
+                </a:solidFill>
+                <a:latin typeface="Times New Roman"/>
+                <a:ea typeface="Calibri"/>
+              </a:rPr>
+              <a:t>, </a:t>
+            </a:r>
+            <a:r>
+              <a:rPr lang="en-US" sz="1800" b="0" strike="noStrike" spc="-1" dirty="0" err="1">
+                <a:solidFill>
+                  <a:srgbClr val="000000"/>
+                </a:solidFill>
+                <a:latin typeface="Times New Roman"/>
+                <a:ea typeface="Calibri"/>
+              </a:rPr>
+              <a:t>так</a:t>
+            </a:r>
+            <a:r>
+              <a:rPr lang="en-US" sz="1800" b="0" strike="noStrike" spc="-1" dirty="0">
+                <a:solidFill>
+                  <a:srgbClr val="000000"/>
+                </a:solidFill>
+                <a:latin typeface="Times New Roman"/>
+                <a:ea typeface="Calibri"/>
+              </a:rPr>
+              <a:t> и </a:t>
+            </a:r>
+            <a:r>
+              <a:rPr lang="en-US" sz="1800" b="0" strike="noStrike" spc="-1" dirty="0" err="1">
+                <a:solidFill>
+                  <a:srgbClr val="000000"/>
+                </a:solidFill>
+                <a:latin typeface="Times New Roman"/>
+                <a:ea typeface="Calibri"/>
+              </a:rPr>
+              <a:t>на</a:t>
+            </a:r>
+            <a:r>
+              <a:rPr lang="en-US" sz="1800" b="0" strike="noStrike" spc="-1" dirty="0">
+                <a:solidFill>
+                  <a:srgbClr val="000000"/>
+                </a:solidFill>
+                <a:latin typeface="Times New Roman"/>
+                <a:ea typeface="Calibri"/>
+              </a:rPr>
+              <a:t> </a:t>
+            </a:r>
+            <a:r>
+              <a:rPr lang="en-US" sz="1800" b="0" strike="noStrike" spc="-1" dirty="0" err="1">
+                <a:solidFill>
+                  <a:srgbClr val="000000"/>
+                </a:solidFill>
+                <a:latin typeface="Times New Roman"/>
+                <a:ea typeface="Calibri"/>
+              </a:rPr>
+              <a:t>отдельном</a:t>
+            </a:r>
+            <a:r>
+              <a:rPr lang="en-US" sz="1800" b="0" strike="noStrike" spc="-1" dirty="0">
+                <a:solidFill>
+                  <a:srgbClr val="000000"/>
+                </a:solidFill>
+                <a:latin typeface="Times New Roman"/>
+                <a:ea typeface="Calibri"/>
+              </a:rPr>
+              <a:t> </a:t>
+            </a:r>
+            <a:r>
+              <a:rPr lang="en-US" sz="1800" b="0" strike="noStrike" spc="-1" dirty="0" err="1">
+                <a:solidFill>
+                  <a:srgbClr val="000000"/>
+                </a:solidFill>
+                <a:latin typeface="Times New Roman"/>
+                <a:ea typeface="Calibri"/>
+              </a:rPr>
+              <a:t>сервере</a:t>
+            </a:r>
+            <a:r>
+              <a:rPr lang="en-US" sz="1800" b="0" strike="noStrike" spc="-1" dirty="0">
+                <a:solidFill>
+                  <a:srgbClr val="000000"/>
+                </a:solidFill>
+                <a:latin typeface="Times New Roman"/>
+                <a:ea typeface="Calibri"/>
+              </a:rPr>
+              <a:t> </a:t>
+            </a:r>
+            <a:r>
+              <a:rPr lang="en-US" sz="1800" b="0" strike="noStrike" spc="-1" dirty="0" err="1">
+                <a:solidFill>
+                  <a:srgbClr val="000000"/>
+                </a:solidFill>
+                <a:latin typeface="Times New Roman"/>
+                <a:ea typeface="Calibri"/>
+              </a:rPr>
+              <a:t>либо</a:t>
+            </a:r>
+            <a:r>
+              <a:rPr lang="en-US" sz="1800" b="0" strike="noStrike" spc="-1" dirty="0">
+                <a:solidFill>
+                  <a:srgbClr val="000000"/>
+                </a:solidFill>
+                <a:latin typeface="Times New Roman"/>
+                <a:ea typeface="Calibri"/>
+              </a:rPr>
+              <a:t> </a:t>
+            </a:r>
+            <a:r>
+              <a:rPr lang="en-US" sz="1800" b="0" strike="noStrike" spc="-1" dirty="0" err="1">
+                <a:solidFill>
+                  <a:srgbClr val="000000"/>
+                </a:solidFill>
+                <a:latin typeface="Times New Roman"/>
+                <a:ea typeface="Calibri"/>
+              </a:rPr>
+              <a:t>кластере</a:t>
+            </a:r>
+            <a:r>
+              <a:rPr lang="en-US" sz="1800" b="0" strike="noStrike" spc="-1" dirty="0">
+                <a:solidFill>
+                  <a:srgbClr val="000000"/>
+                </a:solidFill>
+                <a:latin typeface="Times New Roman"/>
+                <a:ea typeface="Calibri"/>
+              </a:rPr>
+              <a:t>. </a:t>
+            </a:r>
+            <a:endParaRPr lang="en-US" sz="1800" b="0" strike="noStrike" spc="-1" dirty="0">
               <a:solidFill>
                 <a:srgbClr val="000000"/>
               </a:solidFill>
@@ -1835,19 +2660,14 @@
       </p:sp>
     </p:spTree>
   </p:cSld>
-  <mc:AlternateContent>
-    <mc:Choice Requires="p14">
-      <p:transition spd="slow" p14:dur="2000"/>
-    </mc:Choice>
-    <mc:Fallback>
-      <p:transition spd="slow"/>
-    </mc:Fallback>
-  </mc:AlternateContent>
+  <p:clrMapOvr>
+    <a:masterClrMapping/>
+  </p:clrMapOvr>
 </p:sld>
 </file>
 
 <file path=ppt/slides/slide7.xml><?xml version="1.0" encoding="utf-8"?>
-<p:sld xmlns:a="http://schemas.openxmlformats.org/drawingml/2006/main" xmlns:p="http://schemas.openxmlformats.org/presentationml/2006/main" xmlns:r="http://schemas.openxmlformats.org/officeDocument/2006/relationships" xmlns:p14="http://schemas.microsoft.com/office/powerpoint/2010/main" xmlns:p15="http://schemas.microsoft.com/office/powerpoint/2012/main" xmlns:mc="http://schemas.openxmlformats.org/markup-compatibility/2006">
+<p:sld xmlns:a="http://schemas.openxmlformats.org/drawingml/2006/main" xmlns:r="http://schemas.openxmlformats.org/officeDocument/2006/relationships" xmlns:p="http://schemas.openxmlformats.org/presentationml/2006/main">
   <p:cSld>
     <p:spTree>
       <p:nvGrpSpPr>
@@ -1887,23 +2707,33 @@
           </a:ln>
         </p:spPr>
         <p:txBody>
-          <a:bodyPr lIns="0" rIns="0" tIns="0" bIns="0" anchor="ctr">
+          <a:bodyPr lIns="0" tIns="0" rIns="0" bIns="0" anchor="ctr">
             <a:noAutofit/>
           </a:bodyPr>
+          <a:lstStyle/>
           <a:p>
             <a:pPr indent="0" algn="ctr">
               <a:buNone/>
             </a:pPr>
             <a:r>
-              <a:rPr b="0" lang="ru-RU" sz="4400" spc="-1" strike="noStrike">
+              <a:rPr lang="ru-RU" sz="4400" b="0" strike="noStrike" spc="-1" dirty="0">
                 <a:solidFill>
                   <a:srgbClr val="000000"/>
                 </a:solidFill>
                 <a:latin typeface="Arial"/>
               </a:rPr>
-              <a:t>Архитектура Softswitch</a:t>
-            </a:r>
-            <a:endParaRPr b="0" lang="ru-RU" sz="4400" spc="-1" strike="noStrike">
+              <a:t>Архитектура </a:t>
+            </a:r>
+            <a:r>
+              <a:rPr lang="ru-RU" sz="4400" b="0" strike="noStrike" spc="-1" dirty="0" err="1">
+                <a:solidFill>
+                  <a:srgbClr val="000000"/>
+                </a:solidFill>
+                <a:latin typeface="Arial"/>
+              </a:rPr>
+              <a:t>Softswitch</a:t>
+            </a:r>
+            <a:endParaRPr lang="ru-RU" sz="4400" b="0" strike="noStrike" spc="-1" dirty="0">
               <a:solidFill>
                 <a:srgbClr val="000000"/>
               </a:solidFill>
@@ -1912,57 +2742,14 @@
           </a:p>
         </p:txBody>
       </p:sp>
-      <p:sp>
-        <p:nvSpPr>
-          <p:cNvPr id="24" name="PlaceHolder 2"/>
-          <p:cNvSpPr>
-            <a:spLocks noGrp="1"/>
-          </p:cNvSpPr>
-          <p:nvPr>
-            <p:ph/>
-          </p:nvPr>
-        </p:nvSpPr>
-        <p:spPr>
-          <a:xfrm>
-            <a:off x="504000" y="1326600"/>
-            <a:ext cx="9071640" cy="3288240"/>
-          </a:xfrm>
-          <a:prstGeom prst="rect">
-            <a:avLst/>
-          </a:prstGeom>
-          <a:noFill/>
-          <a:ln w="0">
-            <a:noFill/>
-          </a:ln>
-        </p:spPr>
-        <p:txBody>
-          <a:bodyPr lIns="0" rIns="0" tIns="0" bIns="0" anchor="t">
-            <a:normAutofit/>
-          </a:bodyPr>
-          <a:p>
-            <a:pPr indent="0">
-              <a:spcBef>
-                <a:spcPts val="1417"/>
-              </a:spcBef>
-              <a:buNone/>
-            </a:pPr>
-            <a:endParaRPr b="0" lang="ru-RU" sz="3200" spc="-1" strike="noStrike">
-              <a:solidFill>
-                <a:srgbClr val="000000"/>
-              </a:solidFill>
-              <a:latin typeface="Arial"/>
-            </a:endParaRPr>
-          </a:p>
-        </p:txBody>
-      </p:sp>
       <p:pic>
         <p:nvPicPr>
-          <p:cNvPr id="25" name="" descr=""/>
+          <p:cNvPr id="25" name="Рисунок 24"/>
           <p:cNvPicPr/>
           <p:nvPr/>
         </p:nvPicPr>
         <p:blipFill>
-          <a:blip r:embed="rId1"/>
+          <a:blip r:embed="rId2"/>
           <a:stretch/>
         </p:blipFill>
         <p:spPr>
@@ -1980,19 +2767,306 @@
       </p:pic>
     </p:spTree>
   </p:cSld>
-  <mc:AlternateContent>
-    <mc:Choice Requires="p14">
-      <p:transition spd="slow" p14:dur="2000"/>
-    </mc:Choice>
-    <mc:Fallback>
-      <p:transition spd="slow"/>
-    </mc:Fallback>
-  </mc:AlternateContent>
+  <p:clrMapOvr>
+    <a:masterClrMapping/>
+  </p:clrMapOvr>
 </p:sld>
 </file>
 
 <file path=ppt/slides/slide8.xml><?xml version="1.0" encoding="utf-8"?>
-<p:sld xmlns:a="http://schemas.openxmlformats.org/drawingml/2006/main" xmlns:p="http://schemas.openxmlformats.org/presentationml/2006/main" xmlns:r="http://schemas.openxmlformats.org/officeDocument/2006/relationships" xmlns:p14="http://schemas.microsoft.com/office/powerpoint/2010/main" xmlns:p15="http://schemas.microsoft.com/office/powerpoint/2012/main" xmlns:mc="http://schemas.openxmlformats.org/markup-compatibility/2006">
+<p:sld xmlns:a="http://schemas.openxmlformats.org/drawingml/2006/main" xmlns:r="http://schemas.openxmlformats.org/officeDocument/2006/relationships" xmlns:p="http://schemas.openxmlformats.org/presentationml/2006/main">
+  <p:cSld>
+    <p:spTree>
+      <p:nvGrpSpPr>
+        <p:cNvPr id="1" name=""/>
+        <p:cNvGrpSpPr/>
+        <p:nvPr/>
+      </p:nvGrpSpPr>
+      <p:grpSpPr>
+        <a:xfrm>
+          <a:off x="0" y="0"/>
+          <a:ext cx="0" cy="0"/>
+          <a:chOff x="0" y="0"/>
+          <a:chExt cx="0" cy="0"/>
+        </a:xfrm>
+      </p:grpSpPr>
+      <p:sp>
+        <p:nvSpPr>
+          <p:cNvPr id="2" name="Заголовок 1">
+            <a:extLst>
+              <a:ext uri="{FF2B5EF4-FFF2-40B4-BE49-F238E27FC236}">
+                <a16:creationId xmlns:a16="http://schemas.microsoft.com/office/drawing/2014/main" id="{AB779707-F075-6384-3C89-752D433E06BB}"/>
+              </a:ext>
+            </a:extLst>
+          </p:cNvPr>
+          <p:cNvSpPr>
+            <a:spLocks noGrp="1"/>
+          </p:cNvSpPr>
+          <p:nvPr>
+            <p:ph type="title"/>
+          </p:nvPr>
+        </p:nvSpPr>
+        <p:spPr/>
+        <p:txBody>
+          <a:bodyPr/>
+          <a:lstStyle/>
+          <a:p>
+            <a:pPr algn="ctr"/>
+            <a:r>
+              <a:rPr lang="ru-RU" b="0" strike="noStrike" spc="-1" dirty="0">
+                <a:solidFill>
+                  <a:srgbClr val="000000"/>
+                </a:solidFill>
+                <a:latin typeface="Arial"/>
+              </a:rPr>
+              <a:t>Логическая модель </a:t>
+            </a:r>
+            <a:r>
+              <a:rPr lang="ru-RU" b="0" strike="noStrike" spc="-1" dirty="0" err="1">
+                <a:solidFill>
+                  <a:srgbClr val="000000"/>
+                </a:solidFill>
+                <a:latin typeface="Arial"/>
+              </a:rPr>
+              <a:t>Softswitch</a:t>
+            </a:r>
+            <a:endParaRPr lang="ru-RU" dirty="0"/>
+          </a:p>
+        </p:txBody>
+      </p:sp>
+      <p:sp>
+        <p:nvSpPr>
+          <p:cNvPr id="3" name="Объект 2">
+            <a:extLst>
+              <a:ext uri="{FF2B5EF4-FFF2-40B4-BE49-F238E27FC236}">
+                <a16:creationId xmlns:a16="http://schemas.microsoft.com/office/drawing/2014/main" id="{6E18C34E-3C8A-EAC9-19F1-6E8CD358CC03}"/>
+              </a:ext>
+            </a:extLst>
+          </p:cNvPr>
+          <p:cNvSpPr>
+            <a:spLocks noGrp="1"/>
+          </p:cNvSpPr>
+          <p:nvPr>
+            <p:ph/>
+          </p:nvPr>
+        </p:nvSpPr>
+        <p:spPr>
+          <a:xfrm>
+            <a:off x="504000" y="1326600"/>
+            <a:ext cx="9071640" cy="4343950"/>
+          </a:xfrm>
+        </p:spPr>
+        <p:txBody>
+          <a:bodyPr>
+            <a:normAutofit/>
+          </a:bodyPr>
+          <a:lstStyle/>
+          <a:p>
+            <a:pPr marL="0" indent="0" algn="just">
+              <a:lnSpc>
+                <a:spcPct val="150000"/>
+              </a:lnSpc>
+              <a:spcBef>
+                <a:spcPts val="0"/>
+              </a:spcBef>
+              <a:buNone/>
+            </a:pPr>
+            <a:r>
+              <a:rPr lang="ru-RU" sz="1800" dirty="0">
+                <a:solidFill>
+                  <a:srgbClr val="000000"/>
+                </a:solidFill>
+                <a:effectLst/>
+                <a:latin typeface="Times New Roman" panose="02020603050405020304" pitchFamily="18" charset="0"/>
+                <a:ea typeface="Calibri" panose="020F0502020204030204" pitchFamily="34" charset="0"/>
+                <a:cs typeface="Calibri" panose="020F0502020204030204" pitchFamily="34" charset="0"/>
+              </a:rPr>
+              <a:t>	Логическая модель </a:t>
+            </a:r>
+            <a:r>
+              <a:rPr lang="ru-RU" sz="1800" dirty="0" err="1">
+                <a:solidFill>
+                  <a:srgbClr val="000000"/>
+                </a:solidFill>
+                <a:effectLst/>
+                <a:latin typeface="Times New Roman" panose="02020603050405020304" pitchFamily="18" charset="0"/>
+                <a:ea typeface="Calibri" panose="020F0502020204030204" pitchFamily="34" charset="0"/>
+                <a:cs typeface="Calibri" panose="020F0502020204030204" pitchFamily="34" charset="0"/>
+              </a:rPr>
+              <a:t>Softswitch</a:t>
+            </a:r>
+            <a:r>
+              <a:rPr lang="ru-RU" sz="1800" dirty="0">
+                <a:solidFill>
+                  <a:srgbClr val="000000"/>
+                </a:solidFill>
+                <a:effectLst/>
+                <a:latin typeface="Times New Roman" panose="02020603050405020304" pitchFamily="18" charset="0"/>
+                <a:ea typeface="Calibri" panose="020F0502020204030204" pitchFamily="34" charset="0"/>
+                <a:cs typeface="Calibri" panose="020F0502020204030204" pitchFamily="34" charset="0"/>
+              </a:rPr>
+              <a:t> является стандартизированной. Ниже перечислены уровни (иногда их называют еще функциональные плоскости) логической модели программного коммутатора:</a:t>
+            </a:r>
+          </a:p>
+          <a:p>
+            <a:pPr algn="just">
+              <a:lnSpc>
+                <a:spcPct val="150000"/>
+              </a:lnSpc>
+              <a:spcBef>
+                <a:spcPts val="0"/>
+              </a:spcBef>
+            </a:pPr>
+            <a:r>
+              <a:rPr lang="ru-RU" sz="1800" dirty="0">
+                <a:solidFill>
+                  <a:srgbClr val="000000"/>
+                </a:solidFill>
+                <a:effectLst/>
+                <a:latin typeface="Times New Roman" panose="02020603050405020304" pitchFamily="18" charset="0"/>
+                <a:ea typeface="Calibri" panose="020F0502020204030204" pitchFamily="34" charset="0"/>
+                <a:cs typeface="Calibri" panose="020F0502020204030204" pitchFamily="34" charset="0"/>
+              </a:rPr>
+              <a:t>Транспортный уровень — включает в себя меда-шлюзы, шлюзы сигнализации, коммутаторы и маршрутизаторы.</a:t>
+            </a:r>
+            <a:endParaRPr lang="en-US" sz="1800" dirty="0">
+              <a:solidFill>
+                <a:srgbClr val="000000"/>
+              </a:solidFill>
+              <a:effectLst/>
+              <a:latin typeface="Times New Roman" panose="02020603050405020304" pitchFamily="18" charset="0"/>
+              <a:ea typeface="Calibri" panose="020F0502020204030204" pitchFamily="34" charset="0"/>
+              <a:cs typeface="Calibri" panose="020F0502020204030204" pitchFamily="34" charset="0"/>
+            </a:endParaRPr>
+          </a:p>
+          <a:p>
+            <a:pPr algn="just">
+              <a:lnSpc>
+                <a:spcPct val="150000"/>
+              </a:lnSpc>
+              <a:spcBef>
+                <a:spcPts val="0"/>
+              </a:spcBef>
+            </a:pPr>
+            <a:r>
+              <a:rPr lang="ru-RU" sz="1800" dirty="0">
+                <a:solidFill>
+                  <a:srgbClr val="000000"/>
+                </a:solidFill>
+                <a:effectLst/>
+                <a:latin typeface="Times New Roman" panose="02020603050405020304" pitchFamily="18" charset="0"/>
+                <a:ea typeface="Calibri" panose="020F0502020204030204" pitchFamily="34" charset="0"/>
+                <a:cs typeface="Calibri" panose="020F0502020204030204" pitchFamily="34" charset="0"/>
+              </a:rPr>
+              <a:t>Уровень сигнализации — включает контроллеры шлюзов сигнализации и контроллеры сеансов (</a:t>
+            </a:r>
+            <a:r>
+              <a:rPr lang="ru-RU" sz="1800" dirty="0" err="1">
+                <a:solidFill>
+                  <a:srgbClr val="000000"/>
+                </a:solidFill>
+                <a:effectLst/>
+                <a:latin typeface="Times New Roman" panose="02020603050405020304" pitchFamily="18" charset="0"/>
+                <a:ea typeface="Calibri" panose="020F0502020204030204" pitchFamily="34" charset="0"/>
+                <a:cs typeface="Calibri" panose="020F0502020204030204" pitchFamily="34" charset="0"/>
+              </a:rPr>
+              <a:t>гейткиперы</a:t>
+            </a:r>
+            <a:r>
+              <a:rPr lang="ru-RU" sz="1800" dirty="0">
+                <a:solidFill>
+                  <a:srgbClr val="000000"/>
+                </a:solidFill>
+                <a:effectLst/>
+                <a:latin typeface="Times New Roman" panose="02020603050405020304" pitchFamily="18" charset="0"/>
+                <a:ea typeface="Calibri" panose="020F0502020204030204" pitchFamily="34" charset="0"/>
+                <a:cs typeface="Calibri" panose="020F0502020204030204" pitchFamily="34" charset="0"/>
+              </a:rPr>
+              <a:t>). </a:t>
+            </a:r>
+            <a:endParaRPr lang="en-US" sz="1800" dirty="0">
+              <a:solidFill>
+                <a:srgbClr val="000000"/>
+              </a:solidFill>
+              <a:effectLst/>
+              <a:latin typeface="Times New Roman" panose="02020603050405020304" pitchFamily="18" charset="0"/>
+              <a:ea typeface="Calibri" panose="020F0502020204030204" pitchFamily="34" charset="0"/>
+              <a:cs typeface="Calibri" panose="020F0502020204030204" pitchFamily="34" charset="0"/>
+            </a:endParaRPr>
+          </a:p>
+          <a:p>
+            <a:pPr algn="just">
+              <a:lnSpc>
+                <a:spcPct val="150000"/>
+              </a:lnSpc>
+              <a:spcBef>
+                <a:spcPts val="0"/>
+              </a:spcBef>
+            </a:pPr>
+            <a:r>
+              <a:rPr lang="ru-RU" sz="1800" dirty="0">
+                <a:solidFill>
+                  <a:srgbClr val="000000"/>
+                </a:solidFill>
+                <a:effectLst/>
+                <a:latin typeface="Times New Roman" panose="02020603050405020304" pitchFamily="18" charset="0"/>
+                <a:ea typeface="Calibri" panose="020F0502020204030204" pitchFamily="34" charset="0"/>
+                <a:cs typeface="Calibri" panose="020F0502020204030204" pitchFamily="34" charset="0"/>
+              </a:rPr>
+              <a:t>Уровень приложения — включает в себя контроллеры медиа-шлюзов. </a:t>
+            </a:r>
+          </a:p>
+          <a:p>
+            <a:pPr algn="just">
+              <a:lnSpc>
+                <a:spcPct val="150000"/>
+              </a:lnSpc>
+              <a:spcBef>
+                <a:spcPts val="0"/>
+              </a:spcBef>
+            </a:pPr>
+            <a:r>
+              <a:rPr lang="ru-RU" sz="1800" dirty="0">
+                <a:solidFill>
+                  <a:srgbClr val="000000"/>
+                </a:solidFill>
+                <a:effectLst/>
+                <a:latin typeface="Times New Roman" panose="02020603050405020304" pitchFamily="18" charset="0"/>
+                <a:ea typeface="Calibri" panose="020F0502020204030204" pitchFamily="34" charset="0"/>
+                <a:cs typeface="Calibri" panose="020F0502020204030204" pitchFamily="34" charset="0"/>
+              </a:rPr>
+              <a:t>Уровень обслуживания — отдельный уровень, обрабатывающий абонентские данные и обеспечивающий поддержку биллинговых операций.</a:t>
+            </a:r>
+            <a:endParaRPr lang="ru-RU" sz="1800" dirty="0">
+              <a:effectLst/>
+              <a:latin typeface="Calibri" panose="020F0502020204030204" pitchFamily="34" charset="0"/>
+              <a:ea typeface="Calibri" panose="020F0502020204030204" pitchFamily="34" charset="0"/>
+              <a:cs typeface="Symbol" panose="05050102010706020507" pitchFamily="18" charset="2"/>
+            </a:endParaRPr>
+          </a:p>
+          <a:p>
+            <a:pPr marL="0" indent="0">
+              <a:buNone/>
+            </a:pPr>
+            <a:endParaRPr lang="ru-RU" dirty="0"/>
+          </a:p>
+        </p:txBody>
+      </p:sp>
+    </p:spTree>
+    <p:extLst>
+      <p:ext uri="{BB962C8B-B14F-4D97-AF65-F5344CB8AC3E}">
+        <p14:creationId xmlns:p14="http://schemas.microsoft.com/office/powerpoint/2010/main" val="3648894931"/>
+      </p:ext>
+    </p:extLst>
+  </p:cSld>
+  <p:clrMapOvr>
+    <a:masterClrMapping/>
+  </p:clrMapOvr>
+</p:sld>
+</file>
+
+<file path=ppt/slides/slide9.xml><?xml version="1.0" encoding="utf-8"?>
+<p:sld xmlns:a="http://schemas.openxmlformats.org/drawingml/2006/main" xmlns:r="http://schemas.openxmlformats.org/officeDocument/2006/relationships" xmlns:p="http://schemas.openxmlformats.org/presentationml/2006/main">
   <p:cSld>
     <p:spTree>
       <p:nvGrpSpPr>
@@ -2032,23 +3106,33 @@
           </a:ln>
         </p:spPr>
         <p:txBody>
-          <a:bodyPr lIns="0" rIns="0" tIns="0" bIns="0" anchor="ctr">
+          <a:bodyPr lIns="0" tIns="0" rIns="0" bIns="0" anchor="ctr">
             <a:noAutofit/>
           </a:bodyPr>
+          <a:lstStyle/>
           <a:p>
             <a:pPr indent="0" algn="ctr">
               <a:buNone/>
             </a:pPr>
             <a:r>
-              <a:rPr b="0" lang="ru-RU" sz="4400" spc="-1" strike="noStrike">
+              <a:rPr lang="ru-RU" sz="4400" b="0" strike="noStrike" spc="-1" dirty="0">
                 <a:solidFill>
                   <a:srgbClr val="000000"/>
                 </a:solidFill>
                 <a:latin typeface="Arial"/>
               </a:rPr>
-              <a:t>Логическая модель Softswitch</a:t>
-            </a:r>
-            <a:endParaRPr b="0" lang="ru-RU" sz="4400" spc="-1" strike="noStrike">
+              <a:t>Логическая модель </a:t>
+            </a:r>
+            <a:r>
+              <a:rPr lang="ru-RU" sz="4400" b="0" strike="noStrike" spc="-1" dirty="0" err="1">
+                <a:solidFill>
+                  <a:srgbClr val="000000"/>
+                </a:solidFill>
+                <a:latin typeface="Arial"/>
+              </a:rPr>
+              <a:t>Softswitch</a:t>
+            </a:r>
+            <a:endParaRPr lang="ru-RU" sz="4400" b="0" strike="noStrike" spc="-1" dirty="0">
               <a:solidFill>
                 <a:srgbClr val="000000"/>
               </a:solidFill>
@@ -2057,57 +3141,14 @@
           </a:p>
         </p:txBody>
       </p:sp>
-      <p:sp>
-        <p:nvSpPr>
-          <p:cNvPr id="27" name="PlaceHolder 2"/>
-          <p:cNvSpPr>
-            <a:spLocks noGrp="1"/>
-          </p:cNvSpPr>
-          <p:nvPr>
-            <p:ph/>
-          </p:nvPr>
-        </p:nvSpPr>
-        <p:spPr>
-          <a:xfrm>
-            <a:off x="504000" y="1326600"/>
-            <a:ext cx="9071640" cy="3288240"/>
-          </a:xfrm>
-          <a:prstGeom prst="rect">
-            <a:avLst/>
-          </a:prstGeom>
-          <a:noFill/>
-          <a:ln w="0">
-            <a:noFill/>
-          </a:ln>
-        </p:spPr>
-        <p:txBody>
-          <a:bodyPr lIns="0" rIns="0" tIns="0" bIns="0" anchor="t">
-            <a:normAutofit/>
-          </a:bodyPr>
-          <a:p>
-            <a:pPr indent="0">
-              <a:spcBef>
-                <a:spcPts val="1417"/>
-              </a:spcBef>
-              <a:buNone/>
-            </a:pPr>
-            <a:endParaRPr b="0" lang="ru-RU" sz="3200" spc="-1" strike="noStrike">
-              <a:solidFill>
-                <a:srgbClr val="000000"/>
-              </a:solidFill>
-              <a:latin typeface="Arial"/>
-            </a:endParaRPr>
-          </a:p>
-        </p:txBody>
-      </p:sp>
       <p:pic>
         <p:nvPicPr>
-          <p:cNvPr id="28" name="" descr=""/>
+          <p:cNvPr id="28" name="Рисунок 27"/>
           <p:cNvPicPr/>
           <p:nvPr/>
         </p:nvPicPr>
         <p:blipFill>
-          <a:blip r:embed="rId1"/>
+          <a:blip r:embed="rId2"/>
           <a:stretch/>
         </p:blipFill>
         <p:spPr>
@@ -2125,213 +3166,63 @@
       </p:pic>
     </p:spTree>
   </p:cSld>
-  <mc:AlternateContent>
-    <mc:Choice Requires="p14">
-      <p:transition spd="slow" p14:dur="2000"/>
-    </mc:Choice>
-    <mc:Fallback>
-      <p:transition spd="slow"/>
-    </mc:Fallback>
-  </mc:AlternateContent>
-</p:sld>
-</file>
-
-<file path=ppt/slides/slide9.xml><?xml version="1.0" encoding="utf-8"?>
-<p:sld xmlns:a="http://schemas.openxmlformats.org/drawingml/2006/main" xmlns:p="http://schemas.openxmlformats.org/presentationml/2006/main" xmlns:r="http://schemas.openxmlformats.org/officeDocument/2006/relationships" xmlns:p14="http://schemas.microsoft.com/office/powerpoint/2010/main" xmlns:p15="http://schemas.microsoft.com/office/powerpoint/2012/main" xmlns:mc="http://schemas.openxmlformats.org/markup-compatibility/2006">
-  <p:cSld>
-    <p:spTree>
-      <p:nvGrpSpPr>
-        <p:cNvPr id="1" name=""/>
-        <p:cNvGrpSpPr/>
-        <p:nvPr/>
-      </p:nvGrpSpPr>
-      <p:grpSpPr>
-        <a:xfrm>
-          <a:off x="0" y="0"/>
-          <a:ext cx="0" cy="0"/>
-          <a:chOff x="0" y="0"/>
-          <a:chExt cx="0" cy="0"/>
-        </a:xfrm>
-      </p:grpSpPr>
-      <p:sp>
-        <p:nvSpPr>
-          <p:cNvPr id="29" name="PlaceHolder 1"/>
-          <p:cNvSpPr>
-            <a:spLocks noGrp="1"/>
-          </p:cNvSpPr>
-          <p:nvPr>
-            <p:ph type="title"/>
-          </p:nvPr>
-        </p:nvSpPr>
-        <p:spPr>
-          <a:xfrm>
-            <a:off x="504000" y="74160"/>
-            <a:ext cx="9071640" cy="1250280"/>
-          </a:xfrm>
-          <a:prstGeom prst="rect">
-            <a:avLst/>
-          </a:prstGeom>
-          <a:noFill/>
-          <a:ln w="0">
-            <a:noFill/>
-          </a:ln>
-        </p:spPr>
-        <p:txBody>
-          <a:bodyPr lIns="0" rIns="0" tIns="0" bIns="0" anchor="ctr">
-            <a:noAutofit/>
-          </a:bodyPr>
-          <a:p>
-            <a:pPr indent="0" algn="ctr">
-              <a:buNone/>
-            </a:pPr>
-            <a:r>
-              <a:rPr b="0" lang="ru-RU" sz="4400" spc="-1" strike="noStrike">
-                <a:solidFill>
-                  <a:srgbClr val="000000"/>
-                </a:solidFill>
-                <a:latin typeface="Arial"/>
-              </a:rPr>
-              <a:t>Пример использовании технологии Softswitch</a:t>
-            </a:r>
-            <a:endParaRPr b="0" lang="ru-RU" sz="4400" spc="-1" strike="noStrike">
-              <a:solidFill>
-                <a:srgbClr val="000000"/>
-              </a:solidFill>
-              <a:latin typeface="Arial"/>
-            </a:endParaRPr>
-          </a:p>
-        </p:txBody>
-      </p:sp>
-      <p:sp>
-        <p:nvSpPr>
-          <p:cNvPr id="30" name="PlaceHolder 2"/>
-          <p:cNvSpPr>
-            <a:spLocks noGrp="1"/>
-          </p:cNvSpPr>
-          <p:nvPr>
-            <p:ph/>
-          </p:nvPr>
-        </p:nvSpPr>
-        <p:spPr>
-          <a:xfrm>
-            <a:off x="504000" y="1326600"/>
-            <a:ext cx="9071640" cy="3288240"/>
-          </a:xfrm>
-          <a:prstGeom prst="rect">
-            <a:avLst/>
-          </a:prstGeom>
-          <a:noFill/>
-          <a:ln w="0">
-            <a:noFill/>
-          </a:ln>
-        </p:spPr>
-        <p:txBody>
-          <a:bodyPr lIns="0" rIns="0" tIns="0" bIns="0" anchor="t">
-            <a:normAutofit/>
-          </a:bodyPr>
-          <a:p>
-            <a:pPr indent="0">
-              <a:spcBef>
-                <a:spcPts val="1417"/>
-              </a:spcBef>
-              <a:buNone/>
-            </a:pPr>
-            <a:endParaRPr b="0" lang="ru-RU" sz="3200" spc="-1" strike="noStrike">
-              <a:solidFill>
-                <a:srgbClr val="000000"/>
-              </a:solidFill>
-              <a:latin typeface="Arial"/>
-            </a:endParaRPr>
-          </a:p>
-        </p:txBody>
-      </p:sp>
-      <p:pic>
-        <p:nvPicPr>
-          <p:cNvPr id="31" name="" descr=""/>
-          <p:cNvPicPr/>
-          <p:nvPr/>
-        </p:nvPicPr>
-        <p:blipFill>
-          <a:blip r:embed="rId1"/>
-          <a:stretch/>
-        </p:blipFill>
-        <p:spPr>
-          <a:xfrm>
-            <a:off x="540000" y="1324440"/>
-            <a:ext cx="9000000" cy="4345560"/>
-          </a:xfrm>
-          <a:prstGeom prst="rect">
-            <a:avLst/>
-          </a:prstGeom>
-          <a:ln w="0">
-            <a:noFill/>
-          </a:ln>
-        </p:spPr>
-      </p:pic>
-    </p:spTree>
-  </p:cSld>
-  <mc:AlternateContent>
-    <mc:Choice Requires="p14">
-      <p:transition spd="slow" p14:dur="2000"/>
-    </mc:Choice>
-    <mc:Fallback>
-      <p:transition spd="slow"/>
-    </mc:Fallback>
-  </mc:AlternateContent>
+  <p:clrMapOvr>
+    <a:masterClrMapping/>
+  </p:clrMapOvr>
 </p:sld>
 </file>
 
 <file path=ppt/theme/theme1.xml><?xml version="1.0" encoding="utf-8"?>
-<a:theme xmlns:a="http://schemas.openxmlformats.org/drawingml/2006/main" xmlns:r="http://schemas.openxmlformats.org/officeDocument/2006/relationships" name="Office">
+<a:theme xmlns:a="http://schemas.openxmlformats.org/drawingml/2006/main" name="Office">
   <a:themeElements>
     <a:clrScheme name="LibreOffice">
       <a:dk1>
         <a:srgbClr val="000000"/>
       </a:dk1>
       <a:lt1>
-        <a:srgbClr val="ffffff"/>
+        <a:srgbClr val="FFFFFF"/>
       </a:lt1>
       <a:dk2>
         <a:srgbClr val="000000"/>
       </a:dk2>
       <a:lt2>
-        <a:srgbClr val="ffffff"/>
+        <a:srgbClr val="FFFFFF"/>
       </a:lt2>
       <a:accent1>
-        <a:srgbClr val="18a303"/>
+        <a:srgbClr val="18A303"/>
       </a:accent1>
       <a:accent2>
-        <a:srgbClr val="0369a3"/>
+        <a:srgbClr val="0369A3"/>
       </a:accent2>
       <a:accent3>
-        <a:srgbClr val="a33e03"/>
+        <a:srgbClr val="A33E03"/>
       </a:accent3>
       <a:accent4>
-        <a:srgbClr val="8e03a3"/>
+        <a:srgbClr val="8E03A3"/>
       </a:accent4>
       <a:accent5>
-        <a:srgbClr val="c99c00"/>
+        <a:srgbClr val="C99C00"/>
       </a:accent5>
       <a:accent6>
-        <a:srgbClr val="c9211e"/>
+        <a:srgbClr val="C9211E"/>
       </a:accent6>
       <a:hlink>
-        <a:srgbClr val="0000ee"/>
+        <a:srgbClr val="0000EE"/>
       </a:hlink>
       <a:folHlink>
-        <a:srgbClr val="551a8b"/>
+        <a:srgbClr val="551A8B"/>
       </a:folHlink>
     </a:clrScheme>
     <a:fontScheme name="Office">
       <a:majorFont>
-        <a:latin typeface="Arial" pitchFamily="0" charset="1"/>
-        <a:ea typeface="DejaVu Sans" pitchFamily="0" charset="1"/>
-        <a:cs typeface="DejaVu Sans" pitchFamily="0" charset="1"/>
+        <a:latin typeface="Arial"/>
+        <a:ea typeface="DejaVu Sans"/>
+        <a:cs typeface="DejaVu Sans"/>
       </a:majorFont>
       <a:minorFont>
-        <a:latin typeface="Arial" pitchFamily="0" charset="1"/>
-        <a:ea typeface="DejaVu Sans" pitchFamily="0" charset="1"/>
-        <a:cs typeface="DejaVu Sans" pitchFamily="0" charset="1"/>
+        <a:latin typeface="Arial"/>
+        <a:ea typeface="DejaVu Sans"/>
+        <a:cs typeface="DejaVu Sans"/>
       </a:minorFont>
     </a:fontScheme>
     <a:fmtScheme>
@@ -2384,5 +3275,7 @@
       </a:bgFillStyleLst>
     </a:fmtScheme>
   </a:themeElements>
+  <a:objectDefaults/>
+  <a:extraClrSchemeLst/>
 </a:theme>
 </file>